--- a/Firebase Integration in Android.pptx
+++ b/Firebase Integration in Android.pptx
@@ -233,7 +233,7 @@
             <a:pPr algn="r" rtl="0"/>
             <a:fld id="{EA8C5A89-D750-4C9C-AD82-BD87E1631370}" type="datetime1">
               <a:rPr lang="de-DE" smtClean="0"/>
-              <a:t>24.11.2021</a:t>
+              <a:t>25.11.2021</a:t>
             </a:fld>
             <a:endParaRPr lang="de-DE" dirty="0"/>
           </a:p>
@@ -403,7 +403,7 @@
             <a:fld id="{729E0972-DB1D-4D71-93B8-56ECB99C47FF}" type="datetime1">
               <a:rPr lang="de-DE" smtClean="0"/>
               <a:pPr/>
-              <a:t>24.11.2021</a:t>
+              <a:t>25.11.2021</a:t>
             </a:fld>
             <a:endParaRPr lang="de-DE" dirty="0"/>
           </a:p>
@@ -1606,7 +1606,7 @@
             <a:fld id="{87490488-1D2D-45FC-A42D-25F856479C81}" type="datetime1">
               <a:rPr lang="de-DE" smtClean="0"/>
               <a:pPr/>
-              <a:t>24.11.2021</a:t>
+              <a:t>25.11.2021</a:t>
             </a:fld>
             <a:endParaRPr lang="de-DE" dirty="0"/>
           </a:p>
@@ -1812,7 +1812,7 @@
             <a:fld id="{A0E48D7D-22EE-42F4-A78D-BF51DA417E59}" type="datetime1">
               <a:rPr lang="de-DE" smtClean="0"/>
               <a:pPr/>
-              <a:t>24.11.2021</a:t>
+              <a:t>25.11.2021</a:t>
             </a:fld>
             <a:endParaRPr lang="de-DE" dirty="0"/>
           </a:p>
@@ -2028,7 +2028,7 @@
             <a:fld id="{29457F39-CBF0-4D6E-8223-6AABCE028B0C}" type="datetime1">
               <a:rPr lang="de-DE" smtClean="0"/>
               <a:pPr/>
-              <a:t>24.11.2021</a:t>
+              <a:t>25.11.2021</a:t>
             </a:fld>
             <a:endParaRPr lang="de-DE" dirty="0"/>
           </a:p>
@@ -2234,7 +2234,7 @@
             <a:fld id="{3D80A33B-F0D3-4CCD-934C-3A418D338F48}" type="datetime1">
               <a:rPr lang="de-DE" smtClean="0"/>
               <a:pPr/>
-              <a:t>24.11.2021</a:t>
+              <a:t>25.11.2021</a:t>
             </a:fld>
             <a:endParaRPr lang="de-DE" dirty="0"/>
           </a:p>
@@ -2674,7 +2674,7 @@
             <a:fld id="{5800029A-92A0-4B83-B83D-3D25E123C16B}" type="datetime1">
               <a:rPr lang="de-DE" smtClean="0"/>
               <a:pPr/>
-              <a:t>24.11.2021</a:t>
+              <a:t>25.11.2021</a:t>
             </a:fld>
             <a:endParaRPr lang="de-DE" dirty="0"/>
           </a:p>
@@ -2986,7 +2986,7 @@
             <a:fld id="{A50DE14F-832E-4243-A64C-072E4112B828}" type="datetime1">
               <a:rPr lang="de-DE" smtClean="0"/>
               <a:pPr/>
-              <a:t>24.11.2021</a:t>
+              <a:t>25.11.2021</a:t>
             </a:fld>
             <a:endParaRPr lang="de-DE" dirty="0"/>
           </a:p>
@@ -3450,7 +3450,7 @@
             <a:fld id="{9CA0E625-2BCF-471C-BF07-3E47DAD03A33}" type="datetime1">
               <a:rPr lang="de-DE" smtClean="0"/>
               <a:pPr/>
-              <a:t>24.11.2021</a:t>
+              <a:t>25.11.2021</a:t>
             </a:fld>
             <a:endParaRPr lang="de-DE" dirty="0"/>
           </a:p>
@@ -3588,7 +3588,7 @@
             <a:fld id="{01F216F1-5E6C-4D1E-8B04-BA461CF83008}" type="datetime1">
               <a:rPr lang="de-DE" smtClean="0"/>
               <a:pPr/>
-              <a:t>24.11.2021</a:t>
+              <a:t>25.11.2021</a:t>
             </a:fld>
             <a:endParaRPr lang="de-DE" dirty="0"/>
           </a:p>
@@ -3702,7 +3702,7 @@
             <a:fld id="{978460F5-0682-4F91-B958-17F2E22238F4}" type="datetime1">
               <a:rPr lang="de-DE" smtClean="0"/>
               <a:pPr/>
-              <a:t>24.11.2021</a:t>
+              <a:t>25.11.2021</a:t>
             </a:fld>
             <a:endParaRPr lang="de-DE" dirty="0"/>
           </a:p>
@@ -4009,7 +4009,7 @@
             <a:fld id="{432E1AF8-0C97-41FF-9C69-BFEB0F5A6EF5}" type="datetime1">
               <a:rPr lang="de-DE" smtClean="0"/>
               <a:pPr/>
-              <a:t>24.11.2021</a:t>
+              <a:t>25.11.2021</a:t>
             </a:fld>
             <a:endParaRPr lang="de-DE" dirty="0"/>
           </a:p>
@@ -4306,7 +4306,7 @@
             <a:fld id="{9DAA85DC-AC20-450F-8EFE-0D856D5BDC88}" type="datetime1">
               <a:rPr lang="de-DE" smtClean="0"/>
               <a:pPr/>
-              <a:t>24.11.2021</a:t>
+              <a:t>25.11.2021</a:t>
             </a:fld>
             <a:endParaRPr lang="de-DE" dirty="0"/>
           </a:p>
@@ -4930,7 +4930,7 @@
             <a:fld id="{D5E7EBCA-1808-4B9E-8140-5B390D90011A}" type="datetime1">
               <a:rPr lang="de-DE" smtClean="0"/>
               <a:pPr/>
-              <a:t>24.11.2021</a:t>
+              <a:t>25.11.2021</a:t>
             </a:fld>
             <a:endParaRPr lang="de-DE" dirty="0"/>
           </a:p>
@@ -5423,7 +5423,15 @@
             </a:r>
             <a:r>
               <a:rPr lang="de-DE" dirty="0"/>
-              <a:t> Integration in Android</a:t>
+              <a:t> </a:t>
+            </a:r>
+            <a:r>
+              <a:rPr lang="de-DE" dirty="0" err="1"/>
+              <a:t>integration</a:t>
+            </a:r>
+            <a:r>
+              <a:rPr lang="de-DE" dirty="0"/>
+              <a:t> in Android</a:t>
             </a:r>
           </a:p>
         </p:txBody>
@@ -5446,7 +5454,7 @@
             <a:pPr rtl="0"/>
             <a:r>
               <a:rPr lang="de-DE" dirty="0"/>
-              <a:t>Task-app: teil 2</a:t>
+              <a:t>Task-app: Part 2</a:t>
             </a:r>
           </a:p>
         </p:txBody>
@@ -5497,11 +5505,11 @@
   <p:clrMapOvr>
     <a:masterClrMapping/>
   </p:clrMapOvr>
-  <mc:AlternateContent xmlns:mc="http://schemas.openxmlformats.org/markup-compatibility/2006">
-    <mc:Choice xmlns:p14="http://schemas.microsoft.com/office/powerpoint/2010/main" Requires="p14">
+  <mc:AlternateContent xmlns:mc="http://schemas.openxmlformats.org/markup-compatibility/2006" xmlns:p14="http://schemas.microsoft.com/office/powerpoint/2010/main">
+    <mc:Choice Requires="p14">
       <p:transition p14:dur="0" advTm="4089"/>
     </mc:Choice>
-    <mc:Fallback>
+    <mc:Fallback xmlns="">
       <p:transition advTm="4089"/>
     </mc:Fallback>
   </mc:AlternateContent>
@@ -5542,9 +5550,10 @@
           <a:p>
             <a:pPr rtl="0"/>
             <a:r>
-              <a:rPr lang="de-DE" dirty="0"/>
-              <a:t>Überblick</a:t>
-            </a:r>
+              <a:rPr lang="de-DE" dirty="0" err="1"/>
+              <a:t>Overview</a:t>
+            </a:r>
+            <a:endParaRPr lang="de-DE" dirty="0"/>
           </a:p>
         </p:txBody>
       </p:sp>
@@ -5565,8 +5574,20 @@
           <a:p>
             <a:pPr rtl="0"/>
             <a:r>
+              <a:rPr lang="de-DE" dirty="0" err="1"/>
+              <a:t>What</a:t>
+            </a:r>
+            <a:r>
               <a:rPr lang="de-DE" dirty="0"/>
-              <a:t>Was ist </a:t>
+              <a:t> </a:t>
+            </a:r>
+            <a:r>
+              <a:rPr lang="de-DE" dirty="0" err="1"/>
+              <a:t>is</a:t>
+            </a:r>
+            <a:r>
+              <a:rPr lang="de-DE" dirty="0"/>
+              <a:t> </a:t>
             </a:r>
             <a:r>
               <a:rPr lang="de-DE" dirty="0" err="1"/>
@@ -5580,27 +5601,85 @@
           <a:p>
             <a:pPr rtl="0"/>
             <a:r>
-              <a:rPr lang="de-DE" dirty="0"/>
-              <a:t>Funktionen, welche </a:t>
-            </a:r>
-            <a:r>
-              <a:rPr lang="de-DE" dirty="0" err="1"/>
+              <a:rPr lang="de-DE" b="0" i="0" dirty="0">
+                <a:solidFill>
+                  <a:srgbClr val="EEEEEE"/>
+                </a:solidFill>
+                <a:effectLst/>
+                <a:latin typeface="DDG_ProximaNova"/>
+              </a:rPr>
+              <a:t>Features </a:t>
+            </a:r>
+            <a:r>
+              <a:rPr lang="de-DE" b="0" i="0" dirty="0" err="1">
+                <a:solidFill>
+                  <a:srgbClr val="EEEEEE"/>
+                </a:solidFill>
+                <a:effectLst/>
+                <a:latin typeface="DDG_ProximaNova"/>
+              </a:rPr>
+              <a:t>provided</a:t>
+            </a:r>
+            <a:r>
+              <a:rPr lang="de-DE" b="0" i="0" dirty="0">
+                <a:solidFill>
+                  <a:srgbClr val="EEEEEE"/>
+                </a:solidFill>
+                <a:effectLst/>
+                <a:latin typeface="DDG_ProximaNova"/>
+              </a:rPr>
+              <a:t> </a:t>
+            </a:r>
+            <a:r>
+              <a:rPr lang="de-DE" b="0" i="0" dirty="0" err="1">
+                <a:solidFill>
+                  <a:srgbClr val="EEEEEE"/>
+                </a:solidFill>
+                <a:effectLst/>
+                <a:latin typeface="DDG_ProximaNova"/>
+              </a:rPr>
+              <a:t>by</a:t>
+            </a:r>
+            <a:r>
+              <a:rPr lang="de-DE" b="0" i="0" dirty="0">
+                <a:solidFill>
+                  <a:srgbClr val="EEEEEE"/>
+                </a:solidFill>
+                <a:effectLst/>
+                <a:latin typeface="DDG_ProximaNova"/>
+              </a:rPr>
+              <a:t> </a:t>
+            </a:r>
+            <a:r>
+              <a:rPr lang="de-DE" b="0" i="0" dirty="0" err="1">
+                <a:solidFill>
+                  <a:srgbClr val="EEEEEE"/>
+                </a:solidFill>
+                <a:effectLst/>
+                <a:latin typeface="DDG_ProximaNova"/>
+              </a:rPr>
               <a:t>Firebase</a:t>
             </a:r>
-            <a:r>
-              <a:rPr lang="de-DE" dirty="0"/>
-              <a:t> zur Verfügung stellt</a:t>
-            </a:r>
+            <a:endParaRPr lang="de-DE" b="0" i="0" dirty="0">
+              <a:solidFill>
+                <a:srgbClr val="EEEEEE"/>
+              </a:solidFill>
+              <a:effectLst/>
+              <a:latin typeface="DDG_ProximaNova"/>
+            </a:endParaRPr>
           </a:p>
           <a:p>
             <a:pPr rtl="0"/>
             <a:r>
-              <a:rPr lang="de-DE" dirty="0"/>
-              <a:t>Implementierung der Funktionen in der vorhandenen Task-App</a:t>
-            </a:r>
-          </a:p>
-          <a:p>
-            <a:pPr rtl="0"/>
+              <a:rPr lang="en-US" b="0" i="0" dirty="0">
+                <a:solidFill>
+                  <a:srgbClr val="EEEEEE"/>
+                </a:solidFill>
+                <a:effectLst/>
+                <a:latin typeface="DDG_ProximaNova"/>
+              </a:rPr>
+              <a:t>Implementation of firebase in the existing task app</a:t>
+            </a:r>
             <a:endParaRPr lang="de-DE" dirty="0"/>
           </a:p>
         </p:txBody>
@@ -5670,12 +5749,24 @@
           <a:lstStyle/>
           <a:p>
             <a:r>
+              <a:rPr lang="de-DE" dirty="0" err="1"/>
+              <a:t>What</a:t>
+            </a:r>
+            <a:r>
               <a:rPr lang="de-DE" dirty="0"/>
-              <a:t>Was ist </a:t>
+              <a:t> </a:t>
             </a:r>
             <a:r>
               <a:rPr lang="de-DE" dirty="0" err="1"/>
-              <a:t>Firebase</a:t>
+              <a:t>is</a:t>
+            </a:r>
+            <a:r>
+              <a:rPr lang="de-DE" dirty="0"/>
+              <a:t> </a:t>
+            </a:r>
+            <a:r>
+              <a:rPr lang="de-DE" dirty="0" err="1"/>
+              <a:t>firebase</a:t>
             </a:r>
             <a:r>
               <a:rPr lang="de-DE" dirty="0"/>
@@ -5706,8 +5797,20 @@
           <a:lstStyle/>
           <a:p>
             <a:r>
+              <a:rPr lang="de-DE" dirty="0" err="1"/>
+              <a:t>Developed</a:t>
+            </a:r>
+            <a:r>
               <a:rPr lang="de-DE" dirty="0"/>
-              <a:t>Entwickelt von Google</a:t>
+              <a:t> </a:t>
+            </a:r>
+            <a:r>
+              <a:rPr lang="de-DE" dirty="0" err="1"/>
+              <a:t>by</a:t>
+            </a:r>
+            <a:r>
+              <a:rPr lang="de-DE" dirty="0"/>
+              <a:t> Google</a:t>
             </a:r>
           </a:p>
           <a:p>
@@ -5716,12 +5819,12 @@
               <a:t>„</a:t>
             </a:r>
             <a:r>
-              <a:rPr lang="de-DE" dirty="0" err="1"/>
-              <a:t>Firebase</a:t>
+              <a:rPr lang="en-US" dirty="0"/>
+              <a:t>Firebase is a platform developed by Google for creating mobile and web applications</a:t>
             </a:r>
             <a:r>
               <a:rPr lang="de-DE" dirty="0"/>
-              <a:t> ist eine Entwicklungs-Plattform für mobile und Webanwendungen“ </a:t>
+              <a:t>“ </a:t>
             </a:r>
             <a:r>
               <a:rPr lang="de-DE" sz="1600" i="1" dirty="0"/>
@@ -5731,7 +5834,7 @@
               <a:rPr lang="de-DE" sz="1600" i="1" dirty="0">
                 <a:hlinkClick r:id="rId2"/>
               </a:rPr>
-              <a:t>https://de.wikipedia.org/wiki/Firebase</a:t>
+              <a:t>https://en.wikipedia.org/wiki/Firebase</a:t>
             </a:r>
             <a:r>
               <a:rPr lang="de-DE" sz="1600" i="1" dirty="0"/>
@@ -5740,21 +5843,27 @@
           </a:p>
           <a:p>
             <a:r>
-              <a:rPr lang="de-DE" dirty="0" err="1"/>
-              <a:t>Firebase</a:t>
-            </a:r>
-            <a:r>
-              <a:rPr lang="de-DE" dirty="0"/>
-              <a:t> stellt ein Ökosystem aus verschiedenen Funktionen zur Verfügung</a:t>
-            </a:r>
-          </a:p>
-          <a:p>
-            <a:r>
-              <a:rPr lang="de-DE" dirty="0"/>
-              <a:t>Stellt das Backend einer Anwendung dar</a:t>
-            </a:r>
-          </a:p>
-          <a:p>
+              <a:rPr lang="en-US" b="0" i="0" dirty="0">
+                <a:solidFill>
+                  <a:srgbClr val="EEEEEE"/>
+                </a:solidFill>
+                <a:effectLst/>
+                <a:latin typeface="DDG_ProximaNova"/>
+              </a:rPr>
+              <a:t>Firebase provides an ecosystem of different functions</a:t>
+            </a:r>
+          </a:p>
+          <a:p>
+            <a:r>
+              <a:rPr lang="en-US" b="0" i="0" dirty="0">
+                <a:solidFill>
+                  <a:srgbClr val="EEEEEE"/>
+                </a:solidFill>
+                <a:effectLst/>
+                <a:latin typeface="DDG_ProximaNova"/>
+              </a:rPr>
+              <a:t>Represents the backend of an application</a:t>
+            </a:r>
             <a:endParaRPr lang="de-DE" dirty="0"/>
           </a:p>
         </p:txBody>
@@ -5856,18 +5965,74 @@
           <a:bodyPr/>
           <a:lstStyle/>
           <a:p>
-            <a:r>
-              <a:rPr lang="de-DE" dirty="0"/>
-              <a:t>Funktionen, welche </a:t>
-            </a:r>
-            <a:r>
-              <a:rPr lang="de-DE" dirty="0" err="1"/>
+            <a:pPr rtl="0"/>
+            <a:r>
+              <a:rPr lang="de-DE" b="0" i="0" dirty="0">
+                <a:solidFill>
+                  <a:srgbClr val="EEEEEE"/>
+                </a:solidFill>
+                <a:effectLst/>
+                <a:latin typeface="DDG_ProximaNova"/>
+              </a:rPr>
+              <a:t>Features </a:t>
+            </a:r>
+            <a:r>
+              <a:rPr lang="de-DE" b="0" i="0" dirty="0" err="1">
+                <a:solidFill>
+                  <a:srgbClr val="EEEEEE"/>
+                </a:solidFill>
+                <a:effectLst/>
+                <a:latin typeface="DDG_ProximaNova"/>
+              </a:rPr>
+              <a:t>provided</a:t>
+            </a:r>
+            <a:r>
+              <a:rPr lang="de-DE" b="0" i="0" dirty="0">
+                <a:solidFill>
+                  <a:srgbClr val="EEEEEE"/>
+                </a:solidFill>
+                <a:effectLst/>
+                <a:latin typeface="DDG_ProximaNova"/>
+              </a:rPr>
+              <a:t> </a:t>
+            </a:r>
+            <a:r>
+              <a:rPr lang="de-DE" b="0" i="0" dirty="0" err="1">
+                <a:solidFill>
+                  <a:srgbClr val="EEEEEE"/>
+                </a:solidFill>
+                <a:effectLst/>
+                <a:latin typeface="DDG_ProximaNova"/>
+              </a:rPr>
+              <a:t>by</a:t>
+            </a:r>
+            <a:r>
+              <a:rPr lang="de-DE" b="0" i="0" dirty="0">
+                <a:solidFill>
+                  <a:srgbClr val="EEEEEE"/>
+                </a:solidFill>
+                <a:effectLst/>
+                <a:latin typeface="DDG_ProximaNova"/>
+              </a:rPr>
+              <a:t> </a:t>
+            </a:r>
+            <a:r>
+              <a:rPr lang="de-DE" b="0" i="0" dirty="0" err="1">
+                <a:solidFill>
+                  <a:srgbClr val="EEEEEE"/>
+                </a:solidFill>
+                <a:effectLst/>
+                <a:latin typeface="DDG_ProximaNova"/>
+              </a:rPr>
               <a:t>Firebase</a:t>
             </a:r>
-            <a:r>
-              <a:rPr lang="de-DE" dirty="0"/>
-              <a:t> zur Verfügung stellt</a:t>
-            </a:r>
+            <a:endParaRPr lang="de-DE" b="0" i="0" dirty="0">
+              <a:solidFill>
+                <a:srgbClr val="EEEEEE"/>
+              </a:solidFill>
+              <a:effectLst/>
+              <a:latin typeface="DDG_ProximaNova"/>
+            </a:endParaRPr>
           </a:p>
         </p:txBody>
       </p:sp>
@@ -5893,50 +6058,75 @@
           <a:lstStyle/>
           <a:p>
             <a:r>
+              <a:rPr lang="de-DE" dirty="0" err="1"/>
+              <a:t>Some</a:t>
+            </a:r>
+            <a:r>
               <a:rPr lang="de-DE" dirty="0"/>
-              <a:t>Einige Beispiele:</a:t>
+              <a:t> </a:t>
+            </a:r>
+            <a:r>
+              <a:rPr lang="de-DE" dirty="0" err="1"/>
+              <a:t>examples</a:t>
+            </a:r>
+            <a:r>
+              <a:rPr lang="de-DE" dirty="0"/>
+              <a:t>:</a:t>
             </a:r>
           </a:p>
           <a:p>
             <a:pPr lvl="1"/>
             <a:r>
               <a:rPr lang="de-DE" dirty="0"/>
-              <a:t>Authentifizierung</a:t>
+              <a:t>Authentication</a:t>
             </a:r>
           </a:p>
           <a:p>
             <a:pPr lvl="1"/>
             <a:r>
+              <a:rPr lang="de-DE" dirty="0" err="1"/>
+              <a:t>Databse</a:t>
+            </a:r>
+            <a:endParaRPr lang="de-DE" dirty="0"/>
+          </a:p>
+          <a:p>
+            <a:pPr lvl="1"/>
+            <a:r>
               <a:rPr lang="de-DE" dirty="0"/>
-              <a:t>Datenbank</a:t>
+              <a:t>Storage</a:t>
             </a:r>
           </a:p>
           <a:p>
             <a:pPr lvl="1"/>
             <a:r>
               <a:rPr lang="de-DE" dirty="0"/>
-              <a:t>Speicher</a:t>
+              <a:t>Analytics</a:t>
             </a:r>
           </a:p>
           <a:p>
             <a:pPr lvl="1"/>
             <a:r>
+              <a:rPr lang="de-DE" dirty="0" err="1"/>
+              <a:t>Testing</a:t>
+            </a:r>
+            <a:r>
               <a:rPr lang="de-DE" dirty="0"/>
-              <a:t>Analyse</a:t>
+              <a:t>-Tools</a:t>
             </a:r>
           </a:p>
           <a:p>
             <a:pPr lvl="1"/>
             <a:r>
               <a:rPr lang="de-DE" dirty="0"/>
-              <a:t>Test-Tools</a:t>
-            </a:r>
-          </a:p>
-          <a:p>
-            <a:pPr lvl="1"/>
+              <a:t>Backend-</a:t>
+            </a:r>
+            <a:r>
+              <a:rPr lang="de-DE" dirty="0" err="1"/>
+              <a:t>Functions</a:t>
+            </a:r>
             <a:r>
               <a:rPr lang="de-DE" dirty="0"/>
-              <a:t>Backend-Funktionen (über node.js)</a:t>
+              <a:t> (node.js)</a:t>
             </a:r>
           </a:p>
           <a:p>
@@ -5946,7 +6136,63 @@
           <a:p>
             <a:r>
               <a:rPr lang="de-DE" dirty="0"/>
-              <a:t>Das meiste davon ist kostenlos!</a:t>
+              <a:t>The </a:t>
+            </a:r>
+            <a:r>
+              <a:rPr lang="de-DE" dirty="0" err="1"/>
+              <a:t>most</a:t>
+            </a:r>
+            <a:r>
+              <a:rPr lang="de-DE" dirty="0"/>
+              <a:t> </a:t>
+            </a:r>
+            <a:r>
+              <a:rPr lang="de-DE" dirty="0" err="1"/>
+              <a:t>of</a:t>
+            </a:r>
+            <a:r>
+              <a:rPr lang="de-DE" dirty="0"/>
+              <a:t> </a:t>
+            </a:r>
+            <a:r>
+              <a:rPr lang="de-DE" dirty="0" err="1"/>
+              <a:t>it</a:t>
+            </a:r>
+            <a:r>
+              <a:rPr lang="de-DE" dirty="0"/>
+              <a:t> </a:t>
+            </a:r>
+            <a:r>
+              <a:rPr lang="de-DE" dirty="0" err="1"/>
+              <a:t>is</a:t>
+            </a:r>
+            <a:r>
+              <a:rPr lang="de-DE" dirty="0"/>
+              <a:t> </a:t>
+            </a:r>
+            <a:r>
+              <a:rPr lang="de-DE" dirty="0" err="1"/>
+              <a:t>free</a:t>
+            </a:r>
+            <a:r>
+              <a:rPr lang="de-DE" dirty="0"/>
+              <a:t> </a:t>
+            </a:r>
+            <a:r>
+              <a:rPr lang="de-DE" dirty="0" err="1"/>
+              <a:t>to</a:t>
+            </a:r>
+            <a:r>
+              <a:rPr lang="de-DE" dirty="0"/>
+              <a:t> </a:t>
+            </a:r>
+            <a:r>
+              <a:rPr lang="de-DE" dirty="0" err="1"/>
+              <a:t>use</a:t>
+            </a:r>
+            <a:r>
+              <a:rPr lang="de-DE" dirty="0"/>
+              <a:t>!</a:t>
             </a:r>
           </a:p>
         </p:txBody>
@@ -6012,10 +6258,18 @@
           </a:bodyPr>
           <a:lstStyle/>
           <a:p>
-            <a:r>
-              <a:rPr lang="de-DE" dirty="0"/>
-              <a:t>Implementierung der Funktionen in der vorhandenen Task-App</a:t>
-            </a:r>
+            <a:pPr rtl="0"/>
+            <a:r>
+              <a:rPr lang="en-US" b="0" i="0" dirty="0">
+                <a:solidFill>
+                  <a:srgbClr val="EEEEEE"/>
+                </a:solidFill>
+                <a:effectLst/>
+                <a:latin typeface="DDG_ProximaNova"/>
+              </a:rPr>
+              <a:t>Implementation of firebase in the existing task app</a:t>
+            </a:r>
+            <a:endParaRPr lang="de-DE" dirty="0"/>
           </a:p>
         </p:txBody>
       </p:sp>
@@ -6041,60 +6295,70 @@
           <a:lstStyle/>
           <a:p>
             <a:r>
+              <a:rPr lang="en-US" b="0" i="0" dirty="0">
+                <a:solidFill>
+                  <a:srgbClr val="EEEEEE"/>
+                </a:solidFill>
+                <a:effectLst/>
+                <a:latin typeface="DDG_ProximaNova"/>
+              </a:rPr>
+              <a:t>The following questions will be clarified</a:t>
+            </a:r>
+            <a:r>
               <a:rPr lang="de-DE" dirty="0"/>
-              <a:t>Folgende Fragen werden geklärt:</a:t>
+              <a:t>:</a:t>
             </a:r>
           </a:p>
           <a:p>
             <a:pPr lvl="1"/>
             <a:r>
-              <a:rPr lang="de-DE" dirty="0"/>
-              <a:t>Wie erstelle ich ein </a:t>
-            </a:r>
-            <a:r>
-              <a:rPr lang="de-DE" dirty="0" err="1"/>
-              <a:t>Firebase</a:t>
-            </a:r>
-            <a:r>
-              <a:rPr lang="de-DE" dirty="0"/>
-              <a:t>-Projekt?</a:t>
+              <a:rPr lang="en-US" b="0" i="0" dirty="0">
+                <a:solidFill>
+                  <a:srgbClr val="EEEEEE"/>
+                </a:solidFill>
+                <a:effectLst/>
+                <a:latin typeface="DDG_ProximaNova"/>
+              </a:rPr>
+              <a:t>How do I create a Firebase project?</a:t>
             </a:r>
           </a:p>
           <a:p>
             <a:pPr lvl="1"/>
             <a:r>
-              <a:rPr lang="de-DE" dirty="0"/>
-              <a:t>Wie füge ich Bibliotheken in eine Android App ein?</a:t>
+              <a:rPr lang="en-US" b="0" i="0" dirty="0">
+                <a:solidFill>
+                  <a:srgbClr val="EEEEEE"/>
+                </a:solidFill>
+                <a:effectLst/>
+                <a:latin typeface="DDG_ProximaNova"/>
+              </a:rPr>
+              <a:t>How do I add libraries to an Android app?</a:t>
             </a:r>
           </a:p>
           <a:p>
             <a:pPr lvl="1"/>
             <a:r>
-              <a:rPr lang="de-DE" dirty="0"/>
-              <a:t>Wie funktioniert die </a:t>
-            </a:r>
-            <a:r>
-              <a:rPr lang="de-DE" dirty="0" err="1"/>
-              <a:t>Firebase</a:t>
-            </a:r>
-            <a:r>
-              <a:rPr lang="de-DE" dirty="0"/>
-              <a:t> Authentifizierung?</a:t>
+              <a:rPr lang="en-US" b="0" i="0" dirty="0">
+                <a:solidFill>
+                  <a:srgbClr val="EEEEEE"/>
+                </a:solidFill>
+                <a:effectLst/>
+                <a:latin typeface="DDG_ProximaNova"/>
+              </a:rPr>
+              <a:t>How does Firebase authentication work?</a:t>
             </a:r>
           </a:p>
           <a:p>
             <a:pPr lvl="1"/>
             <a:r>
-              <a:rPr lang="de-DE" dirty="0"/>
-              <a:t>Wie kann ich Daten in der </a:t>
-            </a:r>
-            <a:r>
-              <a:rPr lang="de-DE" dirty="0" err="1"/>
-              <a:t>Firebase</a:t>
-            </a:r>
-            <a:r>
-              <a:rPr lang="de-DE" dirty="0"/>
-              <a:t> „Realtime Database“ speichern und auslesen?</a:t>
+              <a:rPr lang="en-US" b="0" i="0" dirty="0">
+                <a:solidFill>
+                  <a:srgbClr val="EEEEEE"/>
+                </a:solidFill>
+                <a:effectLst/>
+                <a:latin typeface="DDG_ProximaNova"/>
+              </a:rPr>
+              <a:t>How can I save and read data in the Firebase "Realtime Database"?</a:t>
             </a:r>
           </a:p>
           <a:p>
@@ -6103,20 +6367,15 @@
           </a:p>
           <a:p>
             <a:r>
-              <a:rPr lang="de-DE" dirty="0"/>
-              <a:t>Die Tasks-App wird so erweitert, dass die angelegten Tasks in der </a:t>
-            </a:r>
-            <a:r>
-              <a:rPr lang="de-DE" dirty="0" err="1"/>
-              <a:t>Firebase</a:t>
-            </a:r>
-            <a:r>
-              <a:rPr lang="de-DE" dirty="0"/>
-              <a:t> Datenbank gespeichert werden</a:t>
-            </a:r>
-          </a:p>
-          <a:p>
-            <a:pPr lvl="1"/>
+              <a:rPr lang="en-US" b="0" i="0" dirty="0">
+                <a:solidFill>
+                  <a:srgbClr val="EEEEEE"/>
+                </a:solidFill>
+                <a:effectLst/>
+                <a:latin typeface="DDG_ProximaNova"/>
+              </a:rPr>
+              <a:t>The Tasks app is extended so that the created tasks are stored in the Firebase database</a:t>
+            </a:r>
             <a:endParaRPr lang="de-DE" dirty="0"/>
           </a:p>
         </p:txBody>
@@ -6312,16 +6571,34 @@
           <a:lstStyle/>
           <a:p>
             <a:r>
-              <a:rPr lang="de-DE" dirty="0"/>
-              <a:t>Die fertige App kann über den </a:t>
-            </a:r>
-            <a:r>
-              <a:rPr lang="de-DE" dirty="0" err="1"/>
+              <a:rPr lang="en-US" b="0" i="0" dirty="0">
+                <a:solidFill>
+                  <a:srgbClr val="EEEEEE"/>
+                </a:solidFill>
+                <a:effectLst/>
+                <a:latin typeface="DDG_ProximaNova"/>
+              </a:rPr>
+              <a:t>The finished app can be installed via the </a:t>
+            </a:r>
+            <a:r>
+              <a:rPr lang="en-US" b="0" i="0" dirty="0" err="1">
+                <a:solidFill>
+                  <a:srgbClr val="EEEEEE"/>
+                </a:solidFill>
+                <a:effectLst/>
+                <a:latin typeface="DDG_ProximaNova"/>
+              </a:rPr>
               <a:t>PlayStore</a:t>
             </a:r>
             <a:r>
-              <a:rPr lang="de-DE" dirty="0"/>
-              <a:t> installiert werden: </a:t>
+              <a:rPr lang="en-US" b="0" i="0" dirty="0">
+                <a:solidFill>
+                  <a:srgbClr val="EEEEEE"/>
+                </a:solidFill>
+                <a:effectLst/>
+                <a:latin typeface="DDG_ProximaNova"/>
+              </a:rPr>
+              <a:t>: </a:t>
             </a:r>
             <a:r>
               <a:rPr lang="de-DE" dirty="0">
@@ -6329,6 +6606,19 @@
               </a:rPr>
               <a:t>https://play.google.com/store/apps/details?id=com.demo.tasks</a:t>
             </a:r>
+            <a:r>
+              <a:rPr lang="de-DE" dirty="0"/>
+              <a:t> </a:t>
+            </a:r>
+            <a:r>
+              <a:rPr lang="de-DE" dirty="0">
+                <a:hlinkClick r:id="rId3"/>
+              </a:rPr>
+              <a:t>https://tinyurl.com/tasksdemo</a:t>
+            </a:r>
+            <a:endParaRPr lang="de-DE" dirty="0"/>
+          </a:p>
+          <a:p>
             <a:endParaRPr lang="de-DE" dirty="0"/>
           </a:p>
           <a:p>
@@ -7312,6 +7602,142 @@
 </file>
 
 <file path=customXml/item1.xml><?xml version="1.0" encoding="utf-8"?>
+<p:properties xmlns:p="http://schemas.microsoft.com/office/2006/metadata/properties" xmlns:xsi="http://www.w3.org/2001/XMLSchema-instance" xmlns:pc="http://schemas.microsoft.com/office/infopath/2007/PartnerControls">
+  <documentManagement>
+    <LocPublishedLinkedAssetsLookup xmlns="4873beb7-5857-4685-be1f-d57550cc96cc" xsi:nil="true"/>
+    <ApprovalStatus xmlns="4873beb7-5857-4685-be1f-d57550cc96cc">InProgress</ApprovalStatus>
+    <MarketSpecific xmlns="4873beb7-5857-4685-be1f-d57550cc96cc">false</MarketSpecific>
+    <LocComments xmlns="4873beb7-5857-4685-be1f-d57550cc96cc" xsi:nil="true"/>
+    <LocLastLocAttemptVersionTypeLookup xmlns="4873beb7-5857-4685-be1f-d57550cc96cc" xsi:nil="true"/>
+    <DirectSourceMarket xmlns="4873beb7-5857-4685-be1f-d57550cc96cc" xsi:nil="true"/>
+    <ThumbnailAssetId xmlns="4873beb7-5857-4685-be1f-d57550cc96cc" xsi:nil="true"/>
+    <PrimaryImageGen xmlns="4873beb7-5857-4685-be1f-d57550cc96cc">false</PrimaryImageGen>
+    <LocNewPublishedVersionLookup xmlns="4873beb7-5857-4685-be1f-d57550cc96cc" xsi:nil="true"/>
+    <LegacyData xmlns="4873beb7-5857-4685-be1f-d57550cc96cc" xsi:nil="true"/>
+    <LocRecommendedHandoff xmlns="4873beb7-5857-4685-be1f-d57550cc96cc" xsi:nil="true"/>
+    <BusinessGroup xmlns="4873beb7-5857-4685-be1f-d57550cc96cc" xsi:nil="true"/>
+    <BlockPublish xmlns="4873beb7-5857-4685-be1f-d57550cc96cc">false</BlockPublish>
+    <TPFriendlyName xmlns="4873beb7-5857-4685-be1f-d57550cc96cc" xsi:nil="true"/>
+    <LocOverallPublishStatusLookup xmlns="4873beb7-5857-4685-be1f-d57550cc96cc" xsi:nil="true"/>
+    <NumericId xmlns="4873beb7-5857-4685-be1f-d57550cc96cc" xsi:nil="true"/>
+    <APEditor xmlns="4873beb7-5857-4685-be1f-d57550cc96cc">
+      <UserInfo>
+        <DisplayName/>
+        <AccountId xsi:nil="true"/>
+        <AccountType/>
+      </UserInfo>
+    </APEditor>
+    <SourceTitle xmlns="4873beb7-5857-4685-be1f-d57550cc96cc" xsi:nil="true"/>
+    <OpenTemplate xmlns="4873beb7-5857-4685-be1f-d57550cc96cc">true</OpenTemplate>
+    <LocOverallLocStatusLookup xmlns="4873beb7-5857-4685-be1f-d57550cc96cc" xsi:nil="true"/>
+    <UALocComments xmlns="4873beb7-5857-4685-be1f-d57550cc96cc" xsi:nil="true"/>
+    <ParentAssetId xmlns="4873beb7-5857-4685-be1f-d57550cc96cc" xsi:nil="true"/>
+    <IntlLangReviewDate xmlns="4873beb7-5857-4685-be1f-d57550cc96cc" xsi:nil="true"/>
+    <FeatureTagsTaxHTField0 xmlns="4873beb7-5857-4685-be1f-d57550cc96cc">
+      <Terms xmlns="http://schemas.microsoft.com/office/infopath/2007/PartnerControls"/>
+    </FeatureTagsTaxHTField0>
+    <PublishStatusLookup xmlns="4873beb7-5857-4685-be1f-d57550cc96cc">
+      <Value>1345093</Value>
+    </PublishStatusLookup>
+    <Providers xmlns="4873beb7-5857-4685-be1f-d57550cc96cc" xsi:nil="true"/>
+    <MachineTranslated xmlns="4873beb7-5857-4685-be1f-d57550cc96cc">false</MachineTranslated>
+    <OriginalSourceMarket xmlns="4873beb7-5857-4685-be1f-d57550cc96cc" xsi:nil="true"/>
+    <APDescription xmlns="4873beb7-5857-4685-be1f-d57550cc96cc">This simple template design works for technology and  businesses, but it's versatile enough to use in other contexts.  It features multiple slide layouts designed for widescreen (16x9 resolution) and includes a sample SmartArt list and chart that are easily editable.</APDescription>
+    <ClipArtFilename xmlns="4873beb7-5857-4685-be1f-d57550cc96cc" xsi:nil="true"/>
+    <ContentItem xmlns="4873beb7-5857-4685-be1f-d57550cc96cc" xsi:nil="true"/>
+    <TPInstallLocation xmlns="4873beb7-5857-4685-be1f-d57550cc96cc" xsi:nil="true"/>
+    <PublishTargets xmlns="4873beb7-5857-4685-be1f-d57550cc96cc">OfficeOnlineVNext</PublishTargets>
+    <TimesCloned xmlns="4873beb7-5857-4685-be1f-d57550cc96cc" xsi:nil="true"/>
+    <AssetStart xmlns="4873beb7-5857-4685-be1f-d57550cc96cc">2011-11-26T00:30:00+00:00</AssetStart>
+    <Provider xmlns="4873beb7-5857-4685-be1f-d57550cc96cc" xsi:nil="true"/>
+    <AcquiredFrom xmlns="4873beb7-5857-4685-be1f-d57550cc96cc">Internal MS</AcquiredFrom>
+    <FriendlyTitle xmlns="4873beb7-5857-4685-be1f-d57550cc96cc" xsi:nil="true"/>
+    <LastHandOff xmlns="4873beb7-5857-4685-be1f-d57550cc96cc" xsi:nil="true"/>
+    <TPClientViewer xmlns="4873beb7-5857-4685-be1f-d57550cc96cc" xsi:nil="true"/>
+    <TemplateStatus xmlns="4873beb7-5857-4685-be1f-d57550cc96cc">Complete</TemplateStatus>
+    <Downloads xmlns="4873beb7-5857-4685-be1f-d57550cc96cc">0</Downloads>
+    <OOCacheId xmlns="4873beb7-5857-4685-be1f-d57550cc96cc" xsi:nil="true"/>
+    <IsDeleted xmlns="4873beb7-5857-4685-be1f-d57550cc96cc">false</IsDeleted>
+    <LocPublishedDependentAssetsLookup xmlns="4873beb7-5857-4685-be1f-d57550cc96cc" xsi:nil="true"/>
+    <TPExecutable xmlns="4873beb7-5857-4685-be1f-d57550cc96cc" xsi:nil="true"/>
+    <EditorialTags xmlns="4873beb7-5857-4685-be1f-d57550cc96cc" xsi:nil="true"/>
+    <SubmitterId xmlns="4873beb7-5857-4685-be1f-d57550cc96cc" xsi:nil="true"/>
+    <ApprovalLog xmlns="4873beb7-5857-4685-be1f-d57550cc96cc" xsi:nil="true"/>
+    <AssetType xmlns="4873beb7-5857-4685-be1f-d57550cc96cc">TP</AssetType>
+    <BugNumber xmlns="4873beb7-5857-4685-be1f-d57550cc96cc" xsi:nil="true"/>
+    <CSXSubmissionDate xmlns="4873beb7-5857-4685-be1f-d57550cc96cc" xsi:nil="true"/>
+    <CSXUpdate xmlns="4873beb7-5857-4685-be1f-d57550cc96cc">false</CSXUpdate>
+    <Milestone xmlns="4873beb7-5857-4685-be1f-d57550cc96cc" xsi:nil="true"/>
+    <RecommendationsModifier xmlns="4873beb7-5857-4685-be1f-d57550cc96cc" xsi:nil="true"/>
+    <OriginAsset xmlns="4873beb7-5857-4685-be1f-d57550cc96cc" xsi:nil="true"/>
+    <TPComponent xmlns="4873beb7-5857-4685-be1f-d57550cc96cc" xsi:nil="true"/>
+    <AssetId xmlns="4873beb7-5857-4685-be1f-d57550cc96cc">TP102787989</AssetId>
+    <IntlLocPriority xmlns="4873beb7-5857-4685-be1f-d57550cc96cc" xsi:nil="true"/>
+    <PolicheckWords xmlns="4873beb7-5857-4685-be1f-d57550cc96cc" xsi:nil="true"/>
+    <TPLaunchHelpLink xmlns="4873beb7-5857-4685-be1f-d57550cc96cc" xsi:nil="true"/>
+    <TPApplication xmlns="4873beb7-5857-4685-be1f-d57550cc96cc" xsi:nil="true"/>
+    <CrawlForDependencies xmlns="4873beb7-5857-4685-be1f-d57550cc96cc">false</CrawlForDependencies>
+    <HandoffToMSDN xmlns="4873beb7-5857-4685-be1f-d57550cc96cc" xsi:nil="true"/>
+    <PlannedPubDate xmlns="4873beb7-5857-4685-be1f-d57550cc96cc" xsi:nil="true"/>
+    <IntlLangReviewer xmlns="4873beb7-5857-4685-be1f-d57550cc96cc" xsi:nil="true"/>
+    <TrustLevel xmlns="4873beb7-5857-4685-be1f-d57550cc96cc">1 Microsoft Managed Content</TrustLevel>
+    <LocLastLocAttemptVersionLookup xmlns="4873beb7-5857-4685-be1f-d57550cc96cc">694266</LocLastLocAttemptVersionLookup>
+    <LocProcessedForHandoffsLookup xmlns="4873beb7-5857-4685-be1f-d57550cc96cc" xsi:nil="true"/>
+    <IsSearchable xmlns="4873beb7-5857-4685-be1f-d57550cc96cc">true</IsSearchable>
+    <TemplateTemplateType xmlns="4873beb7-5857-4685-be1f-d57550cc96cc">PowerPoint Presentation Template</TemplateTemplateType>
+    <CampaignTagsTaxHTField0 xmlns="4873beb7-5857-4685-be1f-d57550cc96cc">
+      <Terms xmlns="http://schemas.microsoft.com/office/infopath/2007/PartnerControls"/>
+    </CampaignTagsTaxHTField0>
+    <TPNamespace xmlns="4873beb7-5857-4685-be1f-d57550cc96cc" xsi:nil="true"/>
+    <LocOverallPreviewStatusLookup xmlns="4873beb7-5857-4685-be1f-d57550cc96cc" xsi:nil="true"/>
+    <TaxCatchAll xmlns="4873beb7-5857-4685-be1f-d57550cc96cc"/>
+    <Markets xmlns="4873beb7-5857-4685-be1f-d57550cc96cc"/>
+    <UAProjectedTotalWords xmlns="4873beb7-5857-4685-be1f-d57550cc96cc" xsi:nil="true"/>
+    <IntlLangReview xmlns="4873beb7-5857-4685-be1f-d57550cc96cc" xsi:nil="true"/>
+    <OutputCachingOn xmlns="4873beb7-5857-4685-be1f-d57550cc96cc">false</OutputCachingOn>
+    <AverageRating xmlns="4873beb7-5857-4685-be1f-d57550cc96cc" xsi:nil="true"/>
+    <APAuthor xmlns="4873beb7-5857-4685-be1f-d57550cc96cc">
+      <UserInfo>
+        <DisplayName>REDMOND\kristaa</DisplayName>
+        <AccountId>136</AccountId>
+        <AccountType/>
+      </UserInfo>
+    </APAuthor>
+    <LocManualTestRequired xmlns="4873beb7-5857-4685-be1f-d57550cc96cc">false</LocManualTestRequired>
+    <TPCommandLine xmlns="4873beb7-5857-4685-be1f-d57550cc96cc" xsi:nil="true"/>
+    <TPAppVersion xmlns="4873beb7-5857-4685-be1f-d57550cc96cc" xsi:nil="true"/>
+    <EditorialStatus xmlns="4873beb7-5857-4685-be1f-d57550cc96cc">Complete</EditorialStatus>
+    <LastModifiedDateTime xmlns="4873beb7-5857-4685-be1f-d57550cc96cc" xsi:nil="true"/>
+    <ScenarioTagsTaxHTField0 xmlns="4873beb7-5857-4685-be1f-d57550cc96cc">
+      <Terms xmlns="http://schemas.microsoft.com/office/infopath/2007/PartnerControls"/>
+    </ScenarioTagsTaxHTField0>
+    <LocProcessedForMarketsLookup xmlns="4873beb7-5857-4685-be1f-d57550cc96cc" xsi:nil="true"/>
+    <TPLaunchHelpLinkType xmlns="4873beb7-5857-4685-be1f-d57550cc96cc">Template</TPLaunchHelpLinkType>
+    <OriginalRelease xmlns="4873beb7-5857-4685-be1f-d57550cc96cc">15</OriginalRelease>
+    <LocalizationTagsTaxHTField0 xmlns="4873beb7-5857-4685-be1f-d57550cc96cc">
+      <Terms xmlns="http://schemas.microsoft.com/office/infopath/2007/PartnerControls"/>
+    </LocalizationTagsTaxHTField0>
+    <UACurrentWords xmlns="4873beb7-5857-4685-be1f-d57550cc96cc" xsi:nil="true"/>
+    <ArtSampleDocs xmlns="4873beb7-5857-4685-be1f-d57550cc96cc" xsi:nil="true"/>
+    <UALocRecommendation xmlns="4873beb7-5857-4685-be1f-d57550cc96cc">Localize</UALocRecommendation>
+    <Manager xmlns="4873beb7-5857-4685-be1f-d57550cc96cc" xsi:nil="true"/>
+    <LocOverallHandbackStatusLookup xmlns="4873beb7-5857-4685-be1f-d57550cc96cc" xsi:nil="true"/>
+    <ShowIn xmlns="4873beb7-5857-4685-be1f-d57550cc96cc">Show everywhere</ShowIn>
+    <UANotes xmlns="4873beb7-5857-4685-be1f-d57550cc96cc" xsi:nil="true"/>
+    <InternalTagsTaxHTField0 xmlns="4873beb7-5857-4685-be1f-d57550cc96cc">
+      <Terms xmlns="http://schemas.microsoft.com/office/infopath/2007/PartnerControls"/>
+    </InternalTagsTaxHTField0>
+    <CSXHash xmlns="4873beb7-5857-4685-be1f-d57550cc96cc" xsi:nil="true"/>
+    <VoteCount xmlns="4873beb7-5857-4685-be1f-d57550cc96cc" xsi:nil="true"/>
+    <AssetExpire xmlns="4873beb7-5857-4685-be1f-d57550cc96cc">2029-05-12T07:00:00+00:00</AssetExpire>
+    <DSATActionTaken xmlns="4873beb7-5857-4685-be1f-d57550cc96cc" xsi:nil="true"/>
+    <CSXSubmissionMarket xmlns="4873beb7-5857-4685-be1f-d57550cc96cc" xsi:nil="true"/>
+    <LocMarketGroupTiers2 xmlns="4873beb7-5857-4685-be1f-d57550cc96cc" xsi:nil="true"/>
+  </documentManagement>
+</p:properties>
+</file>
+
+<file path=customXml/item2.xml><?xml version="1.0" encoding="utf-8"?>
 <ct:contentTypeSchema xmlns:ct="http://schemas.microsoft.com/office/2006/metadata/contentType" xmlns:ma="http://schemas.microsoft.com/office/2006/metadata/properties/metaAttributes" ct:_="" ma:_="" ma:contentTypeName="TemplateFile" ma:contentTypeID="0x0101006EDDDB5EE6D98C44930B742096920B300400F5B6D36B3EF94B4E9A635CDF2A18F5B8" ma:contentTypeVersion="72" ma:contentTypeDescription="Create a new document." ma:contentTypeScope="" ma:versionID="a23e56308344d904b51738559c3d67c9">
   <xsd:schema xmlns:xsd="http://www.w3.org/2001/XMLSchema" xmlns:xs="http://www.w3.org/2001/XMLSchema" xmlns:p="http://schemas.microsoft.com/office/2006/metadata/properties" xmlns:ns2="4873beb7-5857-4685-be1f-d57550cc96cc" targetNamespace="http://schemas.microsoft.com/office/2006/metadata/properties" ma:root="true" ma:fieldsID="cd0908cc4600e77bf5da051303e00c8d" ns2:_="">
     <xsd:import namespace="4873beb7-5857-4685-be1f-d57550cc96cc"/>
@@ -8351,142 +8777,6 @@
 </ct:contentTypeSchema>
 </file>
 
-<file path=customXml/item2.xml><?xml version="1.0" encoding="utf-8"?>
-<p:properties xmlns:p="http://schemas.microsoft.com/office/2006/metadata/properties" xmlns:xsi="http://www.w3.org/2001/XMLSchema-instance" xmlns:pc="http://schemas.microsoft.com/office/infopath/2007/PartnerControls">
-  <documentManagement>
-    <LocPublishedLinkedAssetsLookup xmlns="4873beb7-5857-4685-be1f-d57550cc96cc" xsi:nil="true"/>
-    <ApprovalStatus xmlns="4873beb7-5857-4685-be1f-d57550cc96cc">InProgress</ApprovalStatus>
-    <MarketSpecific xmlns="4873beb7-5857-4685-be1f-d57550cc96cc">false</MarketSpecific>
-    <LocComments xmlns="4873beb7-5857-4685-be1f-d57550cc96cc" xsi:nil="true"/>
-    <LocLastLocAttemptVersionTypeLookup xmlns="4873beb7-5857-4685-be1f-d57550cc96cc" xsi:nil="true"/>
-    <DirectSourceMarket xmlns="4873beb7-5857-4685-be1f-d57550cc96cc" xsi:nil="true"/>
-    <ThumbnailAssetId xmlns="4873beb7-5857-4685-be1f-d57550cc96cc" xsi:nil="true"/>
-    <PrimaryImageGen xmlns="4873beb7-5857-4685-be1f-d57550cc96cc">false</PrimaryImageGen>
-    <LocNewPublishedVersionLookup xmlns="4873beb7-5857-4685-be1f-d57550cc96cc" xsi:nil="true"/>
-    <LegacyData xmlns="4873beb7-5857-4685-be1f-d57550cc96cc" xsi:nil="true"/>
-    <LocRecommendedHandoff xmlns="4873beb7-5857-4685-be1f-d57550cc96cc" xsi:nil="true"/>
-    <BusinessGroup xmlns="4873beb7-5857-4685-be1f-d57550cc96cc" xsi:nil="true"/>
-    <BlockPublish xmlns="4873beb7-5857-4685-be1f-d57550cc96cc">false</BlockPublish>
-    <TPFriendlyName xmlns="4873beb7-5857-4685-be1f-d57550cc96cc" xsi:nil="true"/>
-    <LocOverallPublishStatusLookup xmlns="4873beb7-5857-4685-be1f-d57550cc96cc" xsi:nil="true"/>
-    <NumericId xmlns="4873beb7-5857-4685-be1f-d57550cc96cc" xsi:nil="true"/>
-    <APEditor xmlns="4873beb7-5857-4685-be1f-d57550cc96cc">
-      <UserInfo>
-        <DisplayName/>
-        <AccountId xsi:nil="true"/>
-        <AccountType/>
-      </UserInfo>
-    </APEditor>
-    <SourceTitle xmlns="4873beb7-5857-4685-be1f-d57550cc96cc" xsi:nil="true"/>
-    <OpenTemplate xmlns="4873beb7-5857-4685-be1f-d57550cc96cc">true</OpenTemplate>
-    <LocOverallLocStatusLookup xmlns="4873beb7-5857-4685-be1f-d57550cc96cc" xsi:nil="true"/>
-    <UALocComments xmlns="4873beb7-5857-4685-be1f-d57550cc96cc" xsi:nil="true"/>
-    <ParentAssetId xmlns="4873beb7-5857-4685-be1f-d57550cc96cc" xsi:nil="true"/>
-    <IntlLangReviewDate xmlns="4873beb7-5857-4685-be1f-d57550cc96cc" xsi:nil="true"/>
-    <FeatureTagsTaxHTField0 xmlns="4873beb7-5857-4685-be1f-d57550cc96cc">
-      <Terms xmlns="http://schemas.microsoft.com/office/infopath/2007/PartnerControls"/>
-    </FeatureTagsTaxHTField0>
-    <PublishStatusLookup xmlns="4873beb7-5857-4685-be1f-d57550cc96cc">
-      <Value>1345093</Value>
-    </PublishStatusLookup>
-    <Providers xmlns="4873beb7-5857-4685-be1f-d57550cc96cc" xsi:nil="true"/>
-    <MachineTranslated xmlns="4873beb7-5857-4685-be1f-d57550cc96cc">false</MachineTranslated>
-    <OriginalSourceMarket xmlns="4873beb7-5857-4685-be1f-d57550cc96cc" xsi:nil="true"/>
-    <APDescription xmlns="4873beb7-5857-4685-be1f-d57550cc96cc">This simple template design works for technology and  businesses, but it's versatile enough to use in other contexts.  It features multiple slide layouts designed for widescreen (16x9 resolution) and includes a sample SmartArt list and chart that are easily editable.</APDescription>
-    <ClipArtFilename xmlns="4873beb7-5857-4685-be1f-d57550cc96cc" xsi:nil="true"/>
-    <ContentItem xmlns="4873beb7-5857-4685-be1f-d57550cc96cc" xsi:nil="true"/>
-    <TPInstallLocation xmlns="4873beb7-5857-4685-be1f-d57550cc96cc" xsi:nil="true"/>
-    <PublishTargets xmlns="4873beb7-5857-4685-be1f-d57550cc96cc">OfficeOnlineVNext</PublishTargets>
-    <TimesCloned xmlns="4873beb7-5857-4685-be1f-d57550cc96cc" xsi:nil="true"/>
-    <AssetStart xmlns="4873beb7-5857-4685-be1f-d57550cc96cc">2011-11-26T00:30:00+00:00</AssetStart>
-    <Provider xmlns="4873beb7-5857-4685-be1f-d57550cc96cc" xsi:nil="true"/>
-    <AcquiredFrom xmlns="4873beb7-5857-4685-be1f-d57550cc96cc">Internal MS</AcquiredFrom>
-    <FriendlyTitle xmlns="4873beb7-5857-4685-be1f-d57550cc96cc" xsi:nil="true"/>
-    <LastHandOff xmlns="4873beb7-5857-4685-be1f-d57550cc96cc" xsi:nil="true"/>
-    <TPClientViewer xmlns="4873beb7-5857-4685-be1f-d57550cc96cc" xsi:nil="true"/>
-    <TemplateStatus xmlns="4873beb7-5857-4685-be1f-d57550cc96cc">Complete</TemplateStatus>
-    <Downloads xmlns="4873beb7-5857-4685-be1f-d57550cc96cc">0</Downloads>
-    <OOCacheId xmlns="4873beb7-5857-4685-be1f-d57550cc96cc" xsi:nil="true"/>
-    <IsDeleted xmlns="4873beb7-5857-4685-be1f-d57550cc96cc">false</IsDeleted>
-    <LocPublishedDependentAssetsLookup xmlns="4873beb7-5857-4685-be1f-d57550cc96cc" xsi:nil="true"/>
-    <TPExecutable xmlns="4873beb7-5857-4685-be1f-d57550cc96cc" xsi:nil="true"/>
-    <EditorialTags xmlns="4873beb7-5857-4685-be1f-d57550cc96cc" xsi:nil="true"/>
-    <SubmitterId xmlns="4873beb7-5857-4685-be1f-d57550cc96cc" xsi:nil="true"/>
-    <ApprovalLog xmlns="4873beb7-5857-4685-be1f-d57550cc96cc" xsi:nil="true"/>
-    <AssetType xmlns="4873beb7-5857-4685-be1f-d57550cc96cc">TP</AssetType>
-    <BugNumber xmlns="4873beb7-5857-4685-be1f-d57550cc96cc" xsi:nil="true"/>
-    <CSXSubmissionDate xmlns="4873beb7-5857-4685-be1f-d57550cc96cc" xsi:nil="true"/>
-    <CSXUpdate xmlns="4873beb7-5857-4685-be1f-d57550cc96cc">false</CSXUpdate>
-    <Milestone xmlns="4873beb7-5857-4685-be1f-d57550cc96cc" xsi:nil="true"/>
-    <RecommendationsModifier xmlns="4873beb7-5857-4685-be1f-d57550cc96cc" xsi:nil="true"/>
-    <OriginAsset xmlns="4873beb7-5857-4685-be1f-d57550cc96cc" xsi:nil="true"/>
-    <TPComponent xmlns="4873beb7-5857-4685-be1f-d57550cc96cc" xsi:nil="true"/>
-    <AssetId xmlns="4873beb7-5857-4685-be1f-d57550cc96cc">TP102787989</AssetId>
-    <IntlLocPriority xmlns="4873beb7-5857-4685-be1f-d57550cc96cc" xsi:nil="true"/>
-    <PolicheckWords xmlns="4873beb7-5857-4685-be1f-d57550cc96cc" xsi:nil="true"/>
-    <TPLaunchHelpLink xmlns="4873beb7-5857-4685-be1f-d57550cc96cc" xsi:nil="true"/>
-    <TPApplication xmlns="4873beb7-5857-4685-be1f-d57550cc96cc" xsi:nil="true"/>
-    <CrawlForDependencies xmlns="4873beb7-5857-4685-be1f-d57550cc96cc">false</CrawlForDependencies>
-    <HandoffToMSDN xmlns="4873beb7-5857-4685-be1f-d57550cc96cc" xsi:nil="true"/>
-    <PlannedPubDate xmlns="4873beb7-5857-4685-be1f-d57550cc96cc" xsi:nil="true"/>
-    <IntlLangReviewer xmlns="4873beb7-5857-4685-be1f-d57550cc96cc" xsi:nil="true"/>
-    <TrustLevel xmlns="4873beb7-5857-4685-be1f-d57550cc96cc">1 Microsoft Managed Content</TrustLevel>
-    <LocLastLocAttemptVersionLookup xmlns="4873beb7-5857-4685-be1f-d57550cc96cc">694266</LocLastLocAttemptVersionLookup>
-    <LocProcessedForHandoffsLookup xmlns="4873beb7-5857-4685-be1f-d57550cc96cc" xsi:nil="true"/>
-    <IsSearchable xmlns="4873beb7-5857-4685-be1f-d57550cc96cc">true</IsSearchable>
-    <TemplateTemplateType xmlns="4873beb7-5857-4685-be1f-d57550cc96cc">PowerPoint Presentation Template</TemplateTemplateType>
-    <CampaignTagsTaxHTField0 xmlns="4873beb7-5857-4685-be1f-d57550cc96cc">
-      <Terms xmlns="http://schemas.microsoft.com/office/infopath/2007/PartnerControls"/>
-    </CampaignTagsTaxHTField0>
-    <TPNamespace xmlns="4873beb7-5857-4685-be1f-d57550cc96cc" xsi:nil="true"/>
-    <LocOverallPreviewStatusLookup xmlns="4873beb7-5857-4685-be1f-d57550cc96cc" xsi:nil="true"/>
-    <TaxCatchAll xmlns="4873beb7-5857-4685-be1f-d57550cc96cc"/>
-    <Markets xmlns="4873beb7-5857-4685-be1f-d57550cc96cc"/>
-    <UAProjectedTotalWords xmlns="4873beb7-5857-4685-be1f-d57550cc96cc" xsi:nil="true"/>
-    <IntlLangReview xmlns="4873beb7-5857-4685-be1f-d57550cc96cc" xsi:nil="true"/>
-    <OutputCachingOn xmlns="4873beb7-5857-4685-be1f-d57550cc96cc">false</OutputCachingOn>
-    <AverageRating xmlns="4873beb7-5857-4685-be1f-d57550cc96cc" xsi:nil="true"/>
-    <APAuthor xmlns="4873beb7-5857-4685-be1f-d57550cc96cc">
-      <UserInfo>
-        <DisplayName>REDMOND\kristaa</DisplayName>
-        <AccountId>136</AccountId>
-        <AccountType/>
-      </UserInfo>
-    </APAuthor>
-    <LocManualTestRequired xmlns="4873beb7-5857-4685-be1f-d57550cc96cc">false</LocManualTestRequired>
-    <TPCommandLine xmlns="4873beb7-5857-4685-be1f-d57550cc96cc" xsi:nil="true"/>
-    <TPAppVersion xmlns="4873beb7-5857-4685-be1f-d57550cc96cc" xsi:nil="true"/>
-    <EditorialStatus xmlns="4873beb7-5857-4685-be1f-d57550cc96cc">Complete</EditorialStatus>
-    <LastModifiedDateTime xmlns="4873beb7-5857-4685-be1f-d57550cc96cc" xsi:nil="true"/>
-    <ScenarioTagsTaxHTField0 xmlns="4873beb7-5857-4685-be1f-d57550cc96cc">
-      <Terms xmlns="http://schemas.microsoft.com/office/infopath/2007/PartnerControls"/>
-    </ScenarioTagsTaxHTField0>
-    <LocProcessedForMarketsLookup xmlns="4873beb7-5857-4685-be1f-d57550cc96cc" xsi:nil="true"/>
-    <TPLaunchHelpLinkType xmlns="4873beb7-5857-4685-be1f-d57550cc96cc">Template</TPLaunchHelpLinkType>
-    <OriginalRelease xmlns="4873beb7-5857-4685-be1f-d57550cc96cc">15</OriginalRelease>
-    <LocalizationTagsTaxHTField0 xmlns="4873beb7-5857-4685-be1f-d57550cc96cc">
-      <Terms xmlns="http://schemas.microsoft.com/office/infopath/2007/PartnerControls"/>
-    </LocalizationTagsTaxHTField0>
-    <UACurrentWords xmlns="4873beb7-5857-4685-be1f-d57550cc96cc" xsi:nil="true"/>
-    <ArtSampleDocs xmlns="4873beb7-5857-4685-be1f-d57550cc96cc" xsi:nil="true"/>
-    <UALocRecommendation xmlns="4873beb7-5857-4685-be1f-d57550cc96cc">Localize</UALocRecommendation>
-    <Manager xmlns="4873beb7-5857-4685-be1f-d57550cc96cc" xsi:nil="true"/>
-    <LocOverallHandbackStatusLookup xmlns="4873beb7-5857-4685-be1f-d57550cc96cc" xsi:nil="true"/>
-    <ShowIn xmlns="4873beb7-5857-4685-be1f-d57550cc96cc">Show everywhere</ShowIn>
-    <UANotes xmlns="4873beb7-5857-4685-be1f-d57550cc96cc" xsi:nil="true"/>
-    <InternalTagsTaxHTField0 xmlns="4873beb7-5857-4685-be1f-d57550cc96cc">
-      <Terms xmlns="http://schemas.microsoft.com/office/infopath/2007/PartnerControls"/>
-    </InternalTagsTaxHTField0>
-    <CSXHash xmlns="4873beb7-5857-4685-be1f-d57550cc96cc" xsi:nil="true"/>
-    <VoteCount xmlns="4873beb7-5857-4685-be1f-d57550cc96cc" xsi:nil="true"/>
-    <AssetExpire xmlns="4873beb7-5857-4685-be1f-d57550cc96cc">2029-05-12T07:00:00+00:00</AssetExpire>
-    <DSATActionTaken xmlns="4873beb7-5857-4685-be1f-d57550cc96cc" xsi:nil="true"/>
-    <CSXSubmissionMarket xmlns="4873beb7-5857-4685-be1f-d57550cc96cc" xsi:nil="true"/>
-    <LocMarketGroupTiers2 xmlns="4873beb7-5857-4685-be1f-d57550cc96cc" xsi:nil="true"/>
-  </documentManagement>
-</p:properties>
-</file>
-
 <file path=customXml/item3.xml><?xml version="1.0" encoding="utf-8"?>
 <?mso-contentType ?>
 <FormTemplates xmlns="http://schemas.microsoft.com/sharepoint/v3/contenttype/forms">
@@ -8497,6 +8787,22 @@
 </file>
 
 <file path=customXml/itemProps1.xml><?xml version="1.0" encoding="utf-8"?>
+<ds:datastoreItem xmlns:ds="http://schemas.openxmlformats.org/officeDocument/2006/customXml" ds:itemID="{60C67BEE-D13F-4BD2-98A5-34D8A0977F68}">
+  <ds:schemaRefs>
+    <ds:schemaRef ds:uri="4873beb7-5857-4685-be1f-d57550cc96cc"/>
+    <ds:schemaRef ds:uri="http://purl.org/dc/terms/"/>
+    <ds:schemaRef ds:uri="http://schemas.openxmlformats.org/package/2006/metadata/core-properties"/>
+    <ds:schemaRef ds:uri="http://schemas.microsoft.com/office/2006/documentManagement/types"/>
+    <ds:schemaRef ds:uri="http://schemas.microsoft.com/office/infopath/2007/PartnerControls"/>
+    <ds:schemaRef ds:uri="http://purl.org/dc/elements/1.1/"/>
+    <ds:schemaRef ds:uri="http://schemas.microsoft.com/office/2006/metadata/properties"/>
+    <ds:schemaRef ds:uri="http://www.w3.org/XML/1998/namespace"/>
+    <ds:schemaRef ds:uri="http://purl.org/dc/dcmitype/"/>
+  </ds:schemaRefs>
+</ds:datastoreItem>
+</file>
+
+<file path=customXml/itemProps2.xml><?xml version="1.0" encoding="utf-8"?>
 <ds:datastoreItem xmlns:ds="http://schemas.openxmlformats.org/officeDocument/2006/customXml" ds:itemID="{A09BF4D4-EF60-4196-BFC3-9462D607978C}">
   <ds:schemaRefs>
     <ds:schemaRef ds:uri="http://schemas.microsoft.com/office/2006/metadata/contentType"/>
@@ -8514,22 +8820,6 @@
 </ds:datastoreItem>
 </file>
 
-<file path=customXml/itemProps2.xml><?xml version="1.0" encoding="utf-8"?>
-<ds:datastoreItem xmlns:ds="http://schemas.openxmlformats.org/officeDocument/2006/customXml" ds:itemID="{60C67BEE-D13F-4BD2-98A5-34D8A0977F68}">
-  <ds:schemaRefs>
-    <ds:schemaRef ds:uri="4873beb7-5857-4685-be1f-d57550cc96cc"/>
-    <ds:schemaRef ds:uri="http://purl.org/dc/terms/"/>
-    <ds:schemaRef ds:uri="http://schemas.openxmlformats.org/package/2006/metadata/core-properties"/>
-    <ds:schemaRef ds:uri="http://schemas.microsoft.com/office/2006/documentManagement/types"/>
-    <ds:schemaRef ds:uri="http://schemas.microsoft.com/office/infopath/2007/PartnerControls"/>
-    <ds:schemaRef ds:uri="http://purl.org/dc/elements/1.1/"/>
-    <ds:schemaRef ds:uri="http://schemas.microsoft.com/office/2006/metadata/properties"/>
-    <ds:schemaRef ds:uri="http://www.w3.org/XML/1998/namespace"/>
-    <ds:schemaRef ds:uri="http://purl.org/dc/dcmitype/"/>
-  </ds:schemaRefs>
-</ds:datastoreItem>
-</file>
-
 <file path=customXml/itemProps3.xml><?xml version="1.0" encoding="utf-8"?>
 <ds:datastoreItem xmlns:ds="http://schemas.openxmlformats.org/officeDocument/2006/customXml" ds:itemID="{3836F65B-1B07-41EE-A0E8-BC6EF3855225}">
   <ds:schemaRefs>

--- a/Firebase Integration in Android.pptx
+++ b/Firebase Integration in Android.pptx
@@ -6084,8 +6084,8 @@
           <a:p>
             <a:pPr lvl="1"/>
             <a:r>
-              <a:rPr lang="de-DE" dirty="0" err="1"/>
-              <a:t>Databse</a:t>
+              <a:rPr lang="de-DE"/>
+              <a:t>Database</a:t>
             </a:r>
             <a:endParaRPr lang="de-DE" dirty="0"/>
           </a:p>
@@ -7602,139 +7602,12 @@
 </file>
 
 <file path=customXml/item1.xml><?xml version="1.0" encoding="utf-8"?>
-<p:properties xmlns:p="http://schemas.microsoft.com/office/2006/metadata/properties" xmlns:xsi="http://www.w3.org/2001/XMLSchema-instance" xmlns:pc="http://schemas.microsoft.com/office/infopath/2007/PartnerControls">
-  <documentManagement>
-    <LocPublishedLinkedAssetsLookup xmlns="4873beb7-5857-4685-be1f-d57550cc96cc" xsi:nil="true"/>
-    <ApprovalStatus xmlns="4873beb7-5857-4685-be1f-d57550cc96cc">InProgress</ApprovalStatus>
-    <MarketSpecific xmlns="4873beb7-5857-4685-be1f-d57550cc96cc">false</MarketSpecific>
-    <LocComments xmlns="4873beb7-5857-4685-be1f-d57550cc96cc" xsi:nil="true"/>
-    <LocLastLocAttemptVersionTypeLookup xmlns="4873beb7-5857-4685-be1f-d57550cc96cc" xsi:nil="true"/>
-    <DirectSourceMarket xmlns="4873beb7-5857-4685-be1f-d57550cc96cc" xsi:nil="true"/>
-    <ThumbnailAssetId xmlns="4873beb7-5857-4685-be1f-d57550cc96cc" xsi:nil="true"/>
-    <PrimaryImageGen xmlns="4873beb7-5857-4685-be1f-d57550cc96cc">false</PrimaryImageGen>
-    <LocNewPublishedVersionLookup xmlns="4873beb7-5857-4685-be1f-d57550cc96cc" xsi:nil="true"/>
-    <LegacyData xmlns="4873beb7-5857-4685-be1f-d57550cc96cc" xsi:nil="true"/>
-    <LocRecommendedHandoff xmlns="4873beb7-5857-4685-be1f-d57550cc96cc" xsi:nil="true"/>
-    <BusinessGroup xmlns="4873beb7-5857-4685-be1f-d57550cc96cc" xsi:nil="true"/>
-    <BlockPublish xmlns="4873beb7-5857-4685-be1f-d57550cc96cc">false</BlockPublish>
-    <TPFriendlyName xmlns="4873beb7-5857-4685-be1f-d57550cc96cc" xsi:nil="true"/>
-    <LocOverallPublishStatusLookup xmlns="4873beb7-5857-4685-be1f-d57550cc96cc" xsi:nil="true"/>
-    <NumericId xmlns="4873beb7-5857-4685-be1f-d57550cc96cc" xsi:nil="true"/>
-    <APEditor xmlns="4873beb7-5857-4685-be1f-d57550cc96cc">
-      <UserInfo>
-        <DisplayName/>
-        <AccountId xsi:nil="true"/>
-        <AccountType/>
-      </UserInfo>
-    </APEditor>
-    <SourceTitle xmlns="4873beb7-5857-4685-be1f-d57550cc96cc" xsi:nil="true"/>
-    <OpenTemplate xmlns="4873beb7-5857-4685-be1f-d57550cc96cc">true</OpenTemplate>
-    <LocOverallLocStatusLookup xmlns="4873beb7-5857-4685-be1f-d57550cc96cc" xsi:nil="true"/>
-    <UALocComments xmlns="4873beb7-5857-4685-be1f-d57550cc96cc" xsi:nil="true"/>
-    <ParentAssetId xmlns="4873beb7-5857-4685-be1f-d57550cc96cc" xsi:nil="true"/>
-    <IntlLangReviewDate xmlns="4873beb7-5857-4685-be1f-d57550cc96cc" xsi:nil="true"/>
-    <FeatureTagsTaxHTField0 xmlns="4873beb7-5857-4685-be1f-d57550cc96cc">
-      <Terms xmlns="http://schemas.microsoft.com/office/infopath/2007/PartnerControls"/>
-    </FeatureTagsTaxHTField0>
-    <PublishStatusLookup xmlns="4873beb7-5857-4685-be1f-d57550cc96cc">
-      <Value>1345093</Value>
-    </PublishStatusLookup>
-    <Providers xmlns="4873beb7-5857-4685-be1f-d57550cc96cc" xsi:nil="true"/>
-    <MachineTranslated xmlns="4873beb7-5857-4685-be1f-d57550cc96cc">false</MachineTranslated>
-    <OriginalSourceMarket xmlns="4873beb7-5857-4685-be1f-d57550cc96cc" xsi:nil="true"/>
-    <APDescription xmlns="4873beb7-5857-4685-be1f-d57550cc96cc">This simple template design works for technology and  businesses, but it's versatile enough to use in other contexts.  It features multiple slide layouts designed for widescreen (16x9 resolution) and includes a sample SmartArt list and chart that are easily editable.</APDescription>
-    <ClipArtFilename xmlns="4873beb7-5857-4685-be1f-d57550cc96cc" xsi:nil="true"/>
-    <ContentItem xmlns="4873beb7-5857-4685-be1f-d57550cc96cc" xsi:nil="true"/>
-    <TPInstallLocation xmlns="4873beb7-5857-4685-be1f-d57550cc96cc" xsi:nil="true"/>
-    <PublishTargets xmlns="4873beb7-5857-4685-be1f-d57550cc96cc">OfficeOnlineVNext</PublishTargets>
-    <TimesCloned xmlns="4873beb7-5857-4685-be1f-d57550cc96cc" xsi:nil="true"/>
-    <AssetStart xmlns="4873beb7-5857-4685-be1f-d57550cc96cc">2011-11-26T00:30:00+00:00</AssetStart>
-    <Provider xmlns="4873beb7-5857-4685-be1f-d57550cc96cc" xsi:nil="true"/>
-    <AcquiredFrom xmlns="4873beb7-5857-4685-be1f-d57550cc96cc">Internal MS</AcquiredFrom>
-    <FriendlyTitle xmlns="4873beb7-5857-4685-be1f-d57550cc96cc" xsi:nil="true"/>
-    <LastHandOff xmlns="4873beb7-5857-4685-be1f-d57550cc96cc" xsi:nil="true"/>
-    <TPClientViewer xmlns="4873beb7-5857-4685-be1f-d57550cc96cc" xsi:nil="true"/>
-    <TemplateStatus xmlns="4873beb7-5857-4685-be1f-d57550cc96cc">Complete</TemplateStatus>
-    <Downloads xmlns="4873beb7-5857-4685-be1f-d57550cc96cc">0</Downloads>
-    <OOCacheId xmlns="4873beb7-5857-4685-be1f-d57550cc96cc" xsi:nil="true"/>
-    <IsDeleted xmlns="4873beb7-5857-4685-be1f-d57550cc96cc">false</IsDeleted>
-    <LocPublishedDependentAssetsLookup xmlns="4873beb7-5857-4685-be1f-d57550cc96cc" xsi:nil="true"/>
-    <TPExecutable xmlns="4873beb7-5857-4685-be1f-d57550cc96cc" xsi:nil="true"/>
-    <EditorialTags xmlns="4873beb7-5857-4685-be1f-d57550cc96cc" xsi:nil="true"/>
-    <SubmitterId xmlns="4873beb7-5857-4685-be1f-d57550cc96cc" xsi:nil="true"/>
-    <ApprovalLog xmlns="4873beb7-5857-4685-be1f-d57550cc96cc" xsi:nil="true"/>
-    <AssetType xmlns="4873beb7-5857-4685-be1f-d57550cc96cc">TP</AssetType>
-    <BugNumber xmlns="4873beb7-5857-4685-be1f-d57550cc96cc" xsi:nil="true"/>
-    <CSXSubmissionDate xmlns="4873beb7-5857-4685-be1f-d57550cc96cc" xsi:nil="true"/>
-    <CSXUpdate xmlns="4873beb7-5857-4685-be1f-d57550cc96cc">false</CSXUpdate>
-    <Milestone xmlns="4873beb7-5857-4685-be1f-d57550cc96cc" xsi:nil="true"/>
-    <RecommendationsModifier xmlns="4873beb7-5857-4685-be1f-d57550cc96cc" xsi:nil="true"/>
-    <OriginAsset xmlns="4873beb7-5857-4685-be1f-d57550cc96cc" xsi:nil="true"/>
-    <TPComponent xmlns="4873beb7-5857-4685-be1f-d57550cc96cc" xsi:nil="true"/>
-    <AssetId xmlns="4873beb7-5857-4685-be1f-d57550cc96cc">TP102787989</AssetId>
-    <IntlLocPriority xmlns="4873beb7-5857-4685-be1f-d57550cc96cc" xsi:nil="true"/>
-    <PolicheckWords xmlns="4873beb7-5857-4685-be1f-d57550cc96cc" xsi:nil="true"/>
-    <TPLaunchHelpLink xmlns="4873beb7-5857-4685-be1f-d57550cc96cc" xsi:nil="true"/>
-    <TPApplication xmlns="4873beb7-5857-4685-be1f-d57550cc96cc" xsi:nil="true"/>
-    <CrawlForDependencies xmlns="4873beb7-5857-4685-be1f-d57550cc96cc">false</CrawlForDependencies>
-    <HandoffToMSDN xmlns="4873beb7-5857-4685-be1f-d57550cc96cc" xsi:nil="true"/>
-    <PlannedPubDate xmlns="4873beb7-5857-4685-be1f-d57550cc96cc" xsi:nil="true"/>
-    <IntlLangReviewer xmlns="4873beb7-5857-4685-be1f-d57550cc96cc" xsi:nil="true"/>
-    <TrustLevel xmlns="4873beb7-5857-4685-be1f-d57550cc96cc">1 Microsoft Managed Content</TrustLevel>
-    <LocLastLocAttemptVersionLookup xmlns="4873beb7-5857-4685-be1f-d57550cc96cc">694266</LocLastLocAttemptVersionLookup>
-    <LocProcessedForHandoffsLookup xmlns="4873beb7-5857-4685-be1f-d57550cc96cc" xsi:nil="true"/>
-    <IsSearchable xmlns="4873beb7-5857-4685-be1f-d57550cc96cc">true</IsSearchable>
-    <TemplateTemplateType xmlns="4873beb7-5857-4685-be1f-d57550cc96cc">PowerPoint Presentation Template</TemplateTemplateType>
-    <CampaignTagsTaxHTField0 xmlns="4873beb7-5857-4685-be1f-d57550cc96cc">
-      <Terms xmlns="http://schemas.microsoft.com/office/infopath/2007/PartnerControls"/>
-    </CampaignTagsTaxHTField0>
-    <TPNamespace xmlns="4873beb7-5857-4685-be1f-d57550cc96cc" xsi:nil="true"/>
-    <LocOverallPreviewStatusLookup xmlns="4873beb7-5857-4685-be1f-d57550cc96cc" xsi:nil="true"/>
-    <TaxCatchAll xmlns="4873beb7-5857-4685-be1f-d57550cc96cc"/>
-    <Markets xmlns="4873beb7-5857-4685-be1f-d57550cc96cc"/>
-    <UAProjectedTotalWords xmlns="4873beb7-5857-4685-be1f-d57550cc96cc" xsi:nil="true"/>
-    <IntlLangReview xmlns="4873beb7-5857-4685-be1f-d57550cc96cc" xsi:nil="true"/>
-    <OutputCachingOn xmlns="4873beb7-5857-4685-be1f-d57550cc96cc">false</OutputCachingOn>
-    <AverageRating xmlns="4873beb7-5857-4685-be1f-d57550cc96cc" xsi:nil="true"/>
-    <APAuthor xmlns="4873beb7-5857-4685-be1f-d57550cc96cc">
-      <UserInfo>
-        <DisplayName>REDMOND\kristaa</DisplayName>
-        <AccountId>136</AccountId>
-        <AccountType/>
-      </UserInfo>
-    </APAuthor>
-    <LocManualTestRequired xmlns="4873beb7-5857-4685-be1f-d57550cc96cc">false</LocManualTestRequired>
-    <TPCommandLine xmlns="4873beb7-5857-4685-be1f-d57550cc96cc" xsi:nil="true"/>
-    <TPAppVersion xmlns="4873beb7-5857-4685-be1f-d57550cc96cc" xsi:nil="true"/>
-    <EditorialStatus xmlns="4873beb7-5857-4685-be1f-d57550cc96cc">Complete</EditorialStatus>
-    <LastModifiedDateTime xmlns="4873beb7-5857-4685-be1f-d57550cc96cc" xsi:nil="true"/>
-    <ScenarioTagsTaxHTField0 xmlns="4873beb7-5857-4685-be1f-d57550cc96cc">
-      <Terms xmlns="http://schemas.microsoft.com/office/infopath/2007/PartnerControls"/>
-    </ScenarioTagsTaxHTField0>
-    <LocProcessedForMarketsLookup xmlns="4873beb7-5857-4685-be1f-d57550cc96cc" xsi:nil="true"/>
-    <TPLaunchHelpLinkType xmlns="4873beb7-5857-4685-be1f-d57550cc96cc">Template</TPLaunchHelpLinkType>
-    <OriginalRelease xmlns="4873beb7-5857-4685-be1f-d57550cc96cc">15</OriginalRelease>
-    <LocalizationTagsTaxHTField0 xmlns="4873beb7-5857-4685-be1f-d57550cc96cc">
-      <Terms xmlns="http://schemas.microsoft.com/office/infopath/2007/PartnerControls"/>
-    </LocalizationTagsTaxHTField0>
-    <UACurrentWords xmlns="4873beb7-5857-4685-be1f-d57550cc96cc" xsi:nil="true"/>
-    <ArtSampleDocs xmlns="4873beb7-5857-4685-be1f-d57550cc96cc" xsi:nil="true"/>
-    <UALocRecommendation xmlns="4873beb7-5857-4685-be1f-d57550cc96cc">Localize</UALocRecommendation>
-    <Manager xmlns="4873beb7-5857-4685-be1f-d57550cc96cc" xsi:nil="true"/>
-    <LocOverallHandbackStatusLookup xmlns="4873beb7-5857-4685-be1f-d57550cc96cc" xsi:nil="true"/>
-    <ShowIn xmlns="4873beb7-5857-4685-be1f-d57550cc96cc">Show everywhere</ShowIn>
-    <UANotes xmlns="4873beb7-5857-4685-be1f-d57550cc96cc" xsi:nil="true"/>
-    <InternalTagsTaxHTField0 xmlns="4873beb7-5857-4685-be1f-d57550cc96cc">
-      <Terms xmlns="http://schemas.microsoft.com/office/infopath/2007/PartnerControls"/>
-    </InternalTagsTaxHTField0>
-    <CSXHash xmlns="4873beb7-5857-4685-be1f-d57550cc96cc" xsi:nil="true"/>
-    <VoteCount xmlns="4873beb7-5857-4685-be1f-d57550cc96cc" xsi:nil="true"/>
-    <AssetExpire xmlns="4873beb7-5857-4685-be1f-d57550cc96cc">2029-05-12T07:00:00+00:00</AssetExpire>
-    <DSATActionTaken xmlns="4873beb7-5857-4685-be1f-d57550cc96cc" xsi:nil="true"/>
-    <CSXSubmissionMarket xmlns="4873beb7-5857-4685-be1f-d57550cc96cc" xsi:nil="true"/>
-    <LocMarketGroupTiers2 xmlns="4873beb7-5857-4685-be1f-d57550cc96cc" xsi:nil="true"/>
-  </documentManagement>
-</p:properties>
+<?mso-contentType ?>
+<FormTemplates xmlns="http://schemas.microsoft.com/sharepoint/v3/contenttype/forms">
+  <Display>DocumentLibraryForm</Display>
+  <Edit>AssetEditForm</Edit>
+  <New>DocumentLibraryForm</New>
+</FormTemplates>
 </file>
 
 <file path=customXml/item2.xml><?xml version="1.0" encoding="utf-8"?>
@@ -8778,26 +8651,145 @@
 </file>
 
 <file path=customXml/item3.xml><?xml version="1.0" encoding="utf-8"?>
-<?mso-contentType ?>
-<FormTemplates xmlns="http://schemas.microsoft.com/sharepoint/v3/contenttype/forms">
-  <Display>DocumentLibraryForm</Display>
-  <Edit>AssetEditForm</Edit>
-  <New>DocumentLibraryForm</New>
-</FormTemplates>
+<p:properties xmlns:p="http://schemas.microsoft.com/office/2006/metadata/properties" xmlns:xsi="http://www.w3.org/2001/XMLSchema-instance" xmlns:pc="http://schemas.microsoft.com/office/infopath/2007/PartnerControls">
+  <documentManagement>
+    <LocPublishedLinkedAssetsLookup xmlns="4873beb7-5857-4685-be1f-d57550cc96cc" xsi:nil="true"/>
+    <ApprovalStatus xmlns="4873beb7-5857-4685-be1f-d57550cc96cc">InProgress</ApprovalStatus>
+    <MarketSpecific xmlns="4873beb7-5857-4685-be1f-d57550cc96cc">false</MarketSpecific>
+    <LocComments xmlns="4873beb7-5857-4685-be1f-d57550cc96cc" xsi:nil="true"/>
+    <LocLastLocAttemptVersionTypeLookup xmlns="4873beb7-5857-4685-be1f-d57550cc96cc" xsi:nil="true"/>
+    <DirectSourceMarket xmlns="4873beb7-5857-4685-be1f-d57550cc96cc" xsi:nil="true"/>
+    <ThumbnailAssetId xmlns="4873beb7-5857-4685-be1f-d57550cc96cc" xsi:nil="true"/>
+    <PrimaryImageGen xmlns="4873beb7-5857-4685-be1f-d57550cc96cc">false</PrimaryImageGen>
+    <LocNewPublishedVersionLookup xmlns="4873beb7-5857-4685-be1f-d57550cc96cc" xsi:nil="true"/>
+    <LegacyData xmlns="4873beb7-5857-4685-be1f-d57550cc96cc" xsi:nil="true"/>
+    <LocRecommendedHandoff xmlns="4873beb7-5857-4685-be1f-d57550cc96cc" xsi:nil="true"/>
+    <BusinessGroup xmlns="4873beb7-5857-4685-be1f-d57550cc96cc" xsi:nil="true"/>
+    <BlockPublish xmlns="4873beb7-5857-4685-be1f-d57550cc96cc">false</BlockPublish>
+    <TPFriendlyName xmlns="4873beb7-5857-4685-be1f-d57550cc96cc" xsi:nil="true"/>
+    <LocOverallPublishStatusLookup xmlns="4873beb7-5857-4685-be1f-d57550cc96cc" xsi:nil="true"/>
+    <NumericId xmlns="4873beb7-5857-4685-be1f-d57550cc96cc" xsi:nil="true"/>
+    <APEditor xmlns="4873beb7-5857-4685-be1f-d57550cc96cc">
+      <UserInfo>
+        <DisplayName/>
+        <AccountId xsi:nil="true"/>
+        <AccountType/>
+      </UserInfo>
+    </APEditor>
+    <SourceTitle xmlns="4873beb7-5857-4685-be1f-d57550cc96cc" xsi:nil="true"/>
+    <OpenTemplate xmlns="4873beb7-5857-4685-be1f-d57550cc96cc">true</OpenTemplate>
+    <LocOverallLocStatusLookup xmlns="4873beb7-5857-4685-be1f-d57550cc96cc" xsi:nil="true"/>
+    <UALocComments xmlns="4873beb7-5857-4685-be1f-d57550cc96cc" xsi:nil="true"/>
+    <ParentAssetId xmlns="4873beb7-5857-4685-be1f-d57550cc96cc" xsi:nil="true"/>
+    <IntlLangReviewDate xmlns="4873beb7-5857-4685-be1f-d57550cc96cc" xsi:nil="true"/>
+    <FeatureTagsTaxHTField0 xmlns="4873beb7-5857-4685-be1f-d57550cc96cc">
+      <Terms xmlns="http://schemas.microsoft.com/office/infopath/2007/PartnerControls"/>
+    </FeatureTagsTaxHTField0>
+    <PublishStatusLookup xmlns="4873beb7-5857-4685-be1f-d57550cc96cc">
+      <Value>1345093</Value>
+    </PublishStatusLookup>
+    <Providers xmlns="4873beb7-5857-4685-be1f-d57550cc96cc" xsi:nil="true"/>
+    <MachineTranslated xmlns="4873beb7-5857-4685-be1f-d57550cc96cc">false</MachineTranslated>
+    <OriginalSourceMarket xmlns="4873beb7-5857-4685-be1f-d57550cc96cc" xsi:nil="true"/>
+    <APDescription xmlns="4873beb7-5857-4685-be1f-d57550cc96cc">This simple template design works for technology and  businesses, but it's versatile enough to use in other contexts.  It features multiple slide layouts designed for widescreen (16x9 resolution) and includes a sample SmartArt list and chart that are easily editable.</APDescription>
+    <ClipArtFilename xmlns="4873beb7-5857-4685-be1f-d57550cc96cc" xsi:nil="true"/>
+    <ContentItem xmlns="4873beb7-5857-4685-be1f-d57550cc96cc" xsi:nil="true"/>
+    <TPInstallLocation xmlns="4873beb7-5857-4685-be1f-d57550cc96cc" xsi:nil="true"/>
+    <PublishTargets xmlns="4873beb7-5857-4685-be1f-d57550cc96cc">OfficeOnlineVNext</PublishTargets>
+    <TimesCloned xmlns="4873beb7-5857-4685-be1f-d57550cc96cc" xsi:nil="true"/>
+    <AssetStart xmlns="4873beb7-5857-4685-be1f-d57550cc96cc">2011-11-26T00:30:00+00:00</AssetStart>
+    <Provider xmlns="4873beb7-5857-4685-be1f-d57550cc96cc" xsi:nil="true"/>
+    <AcquiredFrom xmlns="4873beb7-5857-4685-be1f-d57550cc96cc">Internal MS</AcquiredFrom>
+    <FriendlyTitle xmlns="4873beb7-5857-4685-be1f-d57550cc96cc" xsi:nil="true"/>
+    <LastHandOff xmlns="4873beb7-5857-4685-be1f-d57550cc96cc" xsi:nil="true"/>
+    <TPClientViewer xmlns="4873beb7-5857-4685-be1f-d57550cc96cc" xsi:nil="true"/>
+    <TemplateStatus xmlns="4873beb7-5857-4685-be1f-d57550cc96cc">Complete</TemplateStatus>
+    <Downloads xmlns="4873beb7-5857-4685-be1f-d57550cc96cc">0</Downloads>
+    <OOCacheId xmlns="4873beb7-5857-4685-be1f-d57550cc96cc" xsi:nil="true"/>
+    <IsDeleted xmlns="4873beb7-5857-4685-be1f-d57550cc96cc">false</IsDeleted>
+    <LocPublishedDependentAssetsLookup xmlns="4873beb7-5857-4685-be1f-d57550cc96cc" xsi:nil="true"/>
+    <TPExecutable xmlns="4873beb7-5857-4685-be1f-d57550cc96cc" xsi:nil="true"/>
+    <EditorialTags xmlns="4873beb7-5857-4685-be1f-d57550cc96cc" xsi:nil="true"/>
+    <SubmitterId xmlns="4873beb7-5857-4685-be1f-d57550cc96cc" xsi:nil="true"/>
+    <ApprovalLog xmlns="4873beb7-5857-4685-be1f-d57550cc96cc" xsi:nil="true"/>
+    <AssetType xmlns="4873beb7-5857-4685-be1f-d57550cc96cc">TP</AssetType>
+    <BugNumber xmlns="4873beb7-5857-4685-be1f-d57550cc96cc" xsi:nil="true"/>
+    <CSXSubmissionDate xmlns="4873beb7-5857-4685-be1f-d57550cc96cc" xsi:nil="true"/>
+    <CSXUpdate xmlns="4873beb7-5857-4685-be1f-d57550cc96cc">false</CSXUpdate>
+    <Milestone xmlns="4873beb7-5857-4685-be1f-d57550cc96cc" xsi:nil="true"/>
+    <RecommendationsModifier xmlns="4873beb7-5857-4685-be1f-d57550cc96cc" xsi:nil="true"/>
+    <OriginAsset xmlns="4873beb7-5857-4685-be1f-d57550cc96cc" xsi:nil="true"/>
+    <TPComponent xmlns="4873beb7-5857-4685-be1f-d57550cc96cc" xsi:nil="true"/>
+    <AssetId xmlns="4873beb7-5857-4685-be1f-d57550cc96cc">TP102787989</AssetId>
+    <IntlLocPriority xmlns="4873beb7-5857-4685-be1f-d57550cc96cc" xsi:nil="true"/>
+    <PolicheckWords xmlns="4873beb7-5857-4685-be1f-d57550cc96cc" xsi:nil="true"/>
+    <TPLaunchHelpLink xmlns="4873beb7-5857-4685-be1f-d57550cc96cc" xsi:nil="true"/>
+    <TPApplication xmlns="4873beb7-5857-4685-be1f-d57550cc96cc" xsi:nil="true"/>
+    <CrawlForDependencies xmlns="4873beb7-5857-4685-be1f-d57550cc96cc">false</CrawlForDependencies>
+    <HandoffToMSDN xmlns="4873beb7-5857-4685-be1f-d57550cc96cc" xsi:nil="true"/>
+    <PlannedPubDate xmlns="4873beb7-5857-4685-be1f-d57550cc96cc" xsi:nil="true"/>
+    <IntlLangReviewer xmlns="4873beb7-5857-4685-be1f-d57550cc96cc" xsi:nil="true"/>
+    <TrustLevel xmlns="4873beb7-5857-4685-be1f-d57550cc96cc">1 Microsoft Managed Content</TrustLevel>
+    <LocLastLocAttemptVersionLookup xmlns="4873beb7-5857-4685-be1f-d57550cc96cc">694266</LocLastLocAttemptVersionLookup>
+    <LocProcessedForHandoffsLookup xmlns="4873beb7-5857-4685-be1f-d57550cc96cc" xsi:nil="true"/>
+    <IsSearchable xmlns="4873beb7-5857-4685-be1f-d57550cc96cc">true</IsSearchable>
+    <TemplateTemplateType xmlns="4873beb7-5857-4685-be1f-d57550cc96cc">PowerPoint Presentation Template</TemplateTemplateType>
+    <CampaignTagsTaxHTField0 xmlns="4873beb7-5857-4685-be1f-d57550cc96cc">
+      <Terms xmlns="http://schemas.microsoft.com/office/infopath/2007/PartnerControls"/>
+    </CampaignTagsTaxHTField0>
+    <TPNamespace xmlns="4873beb7-5857-4685-be1f-d57550cc96cc" xsi:nil="true"/>
+    <LocOverallPreviewStatusLookup xmlns="4873beb7-5857-4685-be1f-d57550cc96cc" xsi:nil="true"/>
+    <TaxCatchAll xmlns="4873beb7-5857-4685-be1f-d57550cc96cc"/>
+    <Markets xmlns="4873beb7-5857-4685-be1f-d57550cc96cc"/>
+    <UAProjectedTotalWords xmlns="4873beb7-5857-4685-be1f-d57550cc96cc" xsi:nil="true"/>
+    <IntlLangReview xmlns="4873beb7-5857-4685-be1f-d57550cc96cc" xsi:nil="true"/>
+    <OutputCachingOn xmlns="4873beb7-5857-4685-be1f-d57550cc96cc">false</OutputCachingOn>
+    <AverageRating xmlns="4873beb7-5857-4685-be1f-d57550cc96cc" xsi:nil="true"/>
+    <APAuthor xmlns="4873beb7-5857-4685-be1f-d57550cc96cc">
+      <UserInfo>
+        <DisplayName>REDMOND\kristaa</DisplayName>
+        <AccountId>136</AccountId>
+        <AccountType/>
+      </UserInfo>
+    </APAuthor>
+    <LocManualTestRequired xmlns="4873beb7-5857-4685-be1f-d57550cc96cc">false</LocManualTestRequired>
+    <TPCommandLine xmlns="4873beb7-5857-4685-be1f-d57550cc96cc" xsi:nil="true"/>
+    <TPAppVersion xmlns="4873beb7-5857-4685-be1f-d57550cc96cc" xsi:nil="true"/>
+    <EditorialStatus xmlns="4873beb7-5857-4685-be1f-d57550cc96cc">Complete</EditorialStatus>
+    <LastModifiedDateTime xmlns="4873beb7-5857-4685-be1f-d57550cc96cc" xsi:nil="true"/>
+    <ScenarioTagsTaxHTField0 xmlns="4873beb7-5857-4685-be1f-d57550cc96cc">
+      <Terms xmlns="http://schemas.microsoft.com/office/infopath/2007/PartnerControls"/>
+    </ScenarioTagsTaxHTField0>
+    <LocProcessedForMarketsLookup xmlns="4873beb7-5857-4685-be1f-d57550cc96cc" xsi:nil="true"/>
+    <TPLaunchHelpLinkType xmlns="4873beb7-5857-4685-be1f-d57550cc96cc">Template</TPLaunchHelpLinkType>
+    <OriginalRelease xmlns="4873beb7-5857-4685-be1f-d57550cc96cc">15</OriginalRelease>
+    <LocalizationTagsTaxHTField0 xmlns="4873beb7-5857-4685-be1f-d57550cc96cc">
+      <Terms xmlns="http://schemas.microsoft.com/office/infopath/2007/PartnerControls"/>
+    </LocalizationTagsTaxHTField0>
+    <UACurrentWords xmlns="4873beb7-5857-4685-be1f-d57550cc96cc" xsi:nil="true"/>
+    <ArtSampleDocs xmlns="4873beb7-5857-4685-be1f-d57550cc96cc" xsi:nil="true"/>
+    <UALocRecommendation xmlns="4873beb7-5857-4685-be1f-d57550cc96cc">Localize</UALocRecommendation>
+    <Manager xmlns="4873beb7-5857-4685-be1f-d57550cc96cc" xsi:nil="true"/>
+    <LocOverallHandbackStatusLookup xmlns="4873beb7-5857-4685-be1f-d57550cc96cc" xsi:nil="true"/>
+    <ShowIn xmlns="4873beb7-5857-4685-be1f-d57550cc96cc">Show everywhere</ShowIn>
+    <UANotes xmlns="4873beb7-5857-4685-be1f-d57550cc96cc" xsi:nil="true"/>
+    <InternalTagsTaxHTField0 xmlns="4873beb7-5857-4685-be1f-d57550cc96cc">
+      <Terms xmlns="http://schemas.microsoft.com/office/infopath/2007/PartnerControls"/>
+    </InternalTagsTaxHTField0>
+    <CSXHash xmlns="4873beb7-5857-4685-be1f-d57550cc96cc" xsi:nil="true"/>
+    <VoteCount xmlns="4873beb7-5857-4685-be1f-d57550cc96cc" xsi:nil="true"/>
+    <AssetExpire xmlns="4873beb7-5857-4685-be1f-d57550cc96cc">2029-05-12T07:00:00+00:00</AssetExpire>
+    <DSATActionTaken xmlns="4873beb7-5857-4685-be1f-d57550cc96cc" xsi:nil="true"/>
+    <CSXSubmissionMarket xmlns="4873beb7-5857-4685-be1f-d57550cc96cc" xsi:nil="true"/>
+    <LocMarketGroupTiers2 xmlns="4873beb7-5857-4685-be1f-d57550cc96cc" xsi:nil="true"/>
+  </documentManagement>
+</p:properties>
 </file>
 
 <file path=customXml/itemProps1.xml><?xml version="1.0" encoding="utf-8"?>
-<ds:datastoreItem xmlns:ds="http://schemas.openxmlformats.org/officeDocument/2006/customXml" ds:itemID="{60C67BEE-D13F-4BD2-98A5-34D8A0977F68}">
+<ds:datastoreItem xmlns:ds="http://schemas.openxmlformats.org/officeDocument/2006/customXml" ds:itemID="{3836F65B-1B07-41EE-A0E8-BC6EF3855225}">
   <ds:schemaRefs>
-    <ds:schemaRef ds:uri="4873beb7-5857-4685-be1f-d57550cc96cc"/>
-    <ds:schemaRef ds:uri="http://purl.org/dc/terms/"/>
-    <ds:schemaRef ds:uri="http://schemas.openxmlformats.org/package/2006/metadata/core-properties"/>
-    <ds:schemaRef ds:uri="http://schemas.microsoft.com/office/2006/documentManagement/types"/>
-    <ds:schemaRef ds:uri="http://schemas.microsoft.com/office/infopath/2007/PartnerControls"/>
-    <ds:schemaRef ds:uri="http://purl.org/dc/elements/1.1/"/>
-    <ds:schemaRef ds:uri="http://schemas.microsoft.com/office/2006/metadata/properties"/>
-    <ds:schemaRef ds:uri="http://www.w3.org/XML/1998/namespace"/>
-    <ds:schemaRef ds:uri="http://purl.org/dc/dcmitype/"/>
+    <ds:schemaRef ds:uri="http://schemas.microsoft.com/sharepoint/v3/contenttype/forms"/>
   </ds:schemaRefs>
 </ds:datastoreItem>
 </file>
@@ -8821,9 +8813,17 @@
 </file>
 
 <file path=customXml/itemProps3.xml><?xml version="1.0" encoding="utf-8"?>
-<ds:datastoreItem xmlns:ds="http://schemas.openxmlformats.org/officeDocument/2006/customXml" ds:itemID="{3836F65B-1B07-41EE-A0E8-BC6EF3855225}">
+<ds:datastoreItem xmlns:ds="http://schemas.openxmlformats.org/officeDocument/2006/customXml" ds:itemID="{60C67BEE-D13F-4BD2-98A5-34D8A0977F68}">
   <ds:schemaRefs>
-    <ds:schemaRef ds:uri="http://schemas.microsoft.com/sharepoint/v3/contenttype/forms"/>
+    <ds:schemaRef ds:uri="4873beb7-5857-4685-be1f-d57550cc96cc"/>
+    <ds:schemaRef ds:uri="http://purl.org/dc/terms/"/>
+    <ds:schemaRef ds:uri="http://schemas.openxmlformats.org/package/2006/metadata/core-properties"/>
+    <ds:schemaRef ds:uri="http://schemas.microsoft.com/office/2006/documentManagement/types"/>
+    <ds:schemaRef ds:uri="http://schemas.microsoft.com/office/infopath/2007/PartnerControls"/>
+    <ds:schemaRef ds:uri="http://purl.org/dc/elements/1.1/"/>
+    <ds:schemaRef ds:uri="http://schemas.microsoft.com/office/2006/metadata/properties"/>
+    <ds:schemaRef ds:uri="http://www.w3.org/XML/1998/namespace"/>
+    <ds:schemaRef ds:uri="http://purl.org/dc/dcmitype/"/>
   </ds:schemaRefs>
 </ds:datastoreItem>
 </file>